--- a/Slide/Presentation_ERD.pptx
+++ b/Slide/Presentation_ERD.pptx
@@ -8,7 +8,36 @@
     <p:sldId id="256" r:id="rId2"/>
     <p:sldId id="257" r:id="rId3"/>
     <p:sldId id="258" r:id="rId4"/>
-    <p:sldId id="259" r:id="rId5"/>
+    <p:sldId id="291" r:id="rId5"/>
+    <p:sldId id="288" r:id="rId6"/>
+    <p:sldId id="262" r:id="rId7"/>
+    <p:sldId id="263" r:id="rId8"/>
+    <p:sldId id="264" r:id="rId9"/>
+    <p:sldId id="265" r:id="rId10"/>
+    <p:sldId id="266" r:id="rId11"/>
+    <p:sldId id="267" r:id="rId12"/>
+    <p:sldId id="268" r:id="rId13"/>
+    <p:sldId id="269" r:id="rId14"/>
+    <p:sldId id="270" r:id="rId15"/>
+    <p:sldId id="271" r:id="rId16"/>
+    <p:sldId id="272" r:id="rId17"/>
+    <p:sldId id="273" r:id="rId18"/>
+    <p:sldId id="274" r:id="rId19"/>
+    <p:sldId id="275" r:id="rId20"/>
+    <p:sldId id="276" r:id="rId21"/>
+    <p:sldId id="277" r:id="rId22"/>
+    <p:sldId id="278" r:id="rId23"/>
+    <p:sldId id="279" r:id="rId24"/>
+    <p:sldId id="280" r:id="rId25"/>
+    <p:sldId id="281" r:id="rId26"/>
+    <p:sldId id="282" r:id="rId27"/>
+    <p:sldId id="283" r:id="rId28"/>
+    <p:sldId id="284" r:id="rId29"/>
+    <p:sldId id="285" r:id="rId30"/>
+    <p:sldId id="287" r:id="rId31"/>
+    <p:sldId id="286" r:id="rId32"/>
+    <p:sldId id="289" r:id="rId33"/>
+    <p:sldId id="290" r:id="rId34"/>
   </p:sldIdLst>
   <p:sldSz cx="12192000" cy="6858000"/>
   <p:notesSz cx="6858000" cy="9144000"/>
@@ -107,6 +136,11 @@
       </a:defRPr>
     </a:lvl9pPr>
   </p:defaultTextStyle>
+  <p:extLst>
+    <p:ext uri="{EFAFB233-063F-42B5-8137-9DF3F51BA10A}">
+      <p15:sldGuideLst xmlns:p15="http://schemas.microsoft.com/office/powerpoint/2012/main"/>
+    </p:ext>
+  </p:extLst>
 </p:presentation>
 </file>
 
@@ -241,7 +275,7 @@
           <a:p>
             <a:fld id="{1807CB88-64B1-4076-8028-114D63A29DF6}" type="datetimeFigureOut">
               <a:rPr lang="en-US" smtClean="0"/>
-              <a:t>10/23/2017</a:t>
+              <a:t>10/25/2017</a:t>
             </a:fld>
             <a:endParaRPr lang="en-US"/>
           </a:p>
@@ -411,7 +445,7 @@
           <a:p>
             <a:fld id="{1807CB88-64B1-4076-8028-114D63A29DF6}" type="datetimeFigureOut">
               <a:rPr lang="en-US" smtClean="0"/>
-              <a:t>10/23/2017</a:t>
+              <a:t>10/25/2017</a:t>
             </a:fld>
             <a:endParaRPr lang="en-US"/>
           </a:p>
@@ -591,7 +625,7 @@
           <a:p>
             <a:fld id="{1807CB88-64B1-4076-8028-114D63A29DF6}" type="datetimeFigureOut">
               <a:rPr lang="en-US" smtClean="0"/>
-              <a:t>10/23/2017</a:t>
+              <a:t>10/25/2017</a:t>
             </a:fld>
             <a:endParaRPr lang="en-US"/>
           </a:p>
@@ -761,7 +795,7 @@
           <a:p>
             <a:fld id="{1807CB88-64B1-4076-8028-114D63A29DF6}" type="datetimeFigureOut">
               <a:rPr lang="en-US" smtClean="0"/>
-              <a:t>10/23/2017</a:t>
+              <a:t>10/25/2017</a:t>
             </a:fld>
             <a:endParaRPr lang="en-US"/>
           </a:p>
@@ -1007,7 +1041,7 @@
           <a:p>
             <a:fld id="{1807CB88-64B1-4076-8028-114D63A29DF6}" type="datetimeFigureOut">
               <a:rPr lang="en-US" smtClean="0"/>
-              <a:t>10/23/2017</a:t>
+              <a:t>10/25/2017</a:t>
             </a:fld>
             <a:endParaRPr lang="en-US"/>
           </a:p>
@@ -1239,7 +1273,7 @@
           <a:p>
             <a:fld id="{1807CB88-64B1-4076-8028-114D63A29DF6}" type="datetimeFigureOut">
               <a:rPr lang="en-US" smtClean="0"/>
-              <a:t>10/23/2017</a:t>
+              <a:t>10/25/2017</a:t>
             </a:fld>
             <a:endParaRPr lang="en-US"/>
           </a:p>
@@ -1606,7 +1640,7 @@
           <a:p>
             <a:fld id="{1807CB88-64B1-4076-8028-114D63A29DF6}" type="datetimeFigureOut">
               <a:rPr lang="en-US" smtClean="0"/>
-              <a:t>10/23/2017</a:t>
+              <a:t>10/25/2017</a:t>
             </a:fld>
             <a:endParaRPr lang="en-US"/>
           </a:p>
@@ -1724,7 +1758,7 @@
           <a:p>
             <a:fld id="{1807CB88-64B1-4076-8028-114D63A29DF6}" type="datetimeFigureOut">
               <a:rPr lang="en-US" smtClean="0"/>
-              <a:t>10/23/2017</a:t>
+              <a:t>10/25/2017</a:t>
             </a:fld>
             <a:endParaRPr lang="en-US"/>
           </a:p>
@@ -1819,7 +1853,7 @@
           <a:p>
             <a:fld id="{1807CB88-64B1-4076-8028-114D63A29DF6}" type="datetimeFigureOut">
               <a:rPr lang="en-US" smtClean="0"/>
-              <a:t>10/23/2017</a:t>
+              <a:t>10/25/2017</a:t>
             </a:fld>
             <a:endParaRPr lang="en-US"/>
           </a:p>
@@ -2096,7 +2130,7 @@
           <a:p>
             <a:fld id="{1807CB88-64B1-4076-8028-114D63A29DF6}" type="datetimeFigureOut">
               <a:rPr lang="en-US" smtClean="0"/>
-              <a:t>10/23/2017</a:t>
+              <a:t>10/25/2017</a:t>
             </a:fld>
             <a:endParaRPr lang="en-US"/>
           </a:p>
@@ -2349,7 +2383,7 @@
           <a:p>
             <a:fld id="{1807CB88-64B1-4076-8028-114D63A29DF6}" type="datetimeFigureOut">
               <a:rPr lang="en-US" smtClean="0"/>
-              <a:t>10/23/2017</a:t>
+              <a:t>10/25/2017</a:t>
             </a:fld>
             <a:endParaRPr lang="en-US"/>
           </a:p>
@@ -2562,7 +2596,7 @@
           <a:p>
             <a:fld id="{1807CB88-64B1-4076-8028-114D63A29DF6}" type="datetimeFigureOut">
               <a:rPr lang="en-US" smtClean="0"/>
-              <a:t>10/23/2017</a:t>
+              <a:t>10/25/2017</a:t>
             </a:fld>
             <a:endParaRPr lang="en-US"/>
           </a:p>
@@ -3714,6 +3748,18 @@
                 </a:rPr>
                 <a:t>Sanjana</a:t>
               </a:r>
+              <a:r>
+                <a:rPr lang="en-US" sz="2800" dirty="0" smtClean="0">
+                  <a:solidFill>
+                    <a:schemeClr val="tx1">
+                      <a:lumMod val="95000"/>
+                      <a:lumOff val="5000"/>
+                    </a:schemeClr>
+                  </a:solidFill>
+                  <a:latin typeface="Prestige Elite Std" panose="02060509020206020304" pitchFamily="49" charset="0"/>
+                </a:rPr>
+                <a:t>  </a:t>
+              </a:r>
               <a:endParaRPr lang="en-US" sz="2800" dirty="0">
                 <a:solidFill>
                   <a:schemeClr val="tx1">
@@ -3789,7 +3835,7 @@
 </p:sld>
 </file>
 
-<file path=ppt/slides/slide2.xml><?xml version="1.0" encoding="utf-8"?>
+<file path=ppt/slides/slide10.xml><?xml version="1.0" encoding="utf-8"?>
 <p:sld xmlns:a="http://schemas.openxmlformats.org/drawingml/2006/main" xmlns:r="http://schemas.openxmlformats.org/officeDocument/2006/relationships" xmlns:p="http://schemas.openxmlformats.org/presentationml/2006/main">
   <p:cSld>
     <p:spTree>
@@ -3806,20 +3852,53 @@
           <a:chExt cx="0" cy="0"/>
         </a:xfrm>
       </p:grpSpPr>
+      <p:pic>
+        <p:nvPicPr>
+          <p:cNvPr id="4" name="Content Placeholder 3"/>
+          <p:cNvPicPr>
+            <a:picLocks noGrp="1" noChangeAspect="1"/>
+          </p:cNvPicPr>
+          <p:nvPr>
+            <p:ph idx="1"/>
+          </p:nvPr>
+        </p:nvPicPr>
+        <p:blipFill>
+          <a:blip r:embed="rId2"/>
+          <a:stretch>
+            <a:fillRect/>
+          </a:stretch>
+        </p:blipFill>
+        <p:spPr>
+          <a:xfrm>
+            <a:off x="527026" y="2099257"/>
+            <a:ext cx="11777627" cy="5973934"/>
+          </a:xfrm>
+          <a:prstGeom prst="rect">
+            <a:avLst/>
+          </a:prstGeom>
+        </p:spPr>
+      </p:pic>
     </p:spTree>
     <p:extLst>
       <p:ext uri="{BB962C8B-B14F-4D97-AF65-F5344CB8AC3E}">
-        <p14:creationId xmlns:p14="http://schemas.microsoft.com/office/powerpoint/2010/main" val="4019090808"/>
+        <p14:creationId xmlns:p14="http://schemas.microsoft.com/office/powerpoint/2010/main" val="1685957951"/>
       </p:ext>
     </p:extLst>
   </p:cSld>
   <p:clrMapOvr>
     <a:masterClrMapping/>
   </p:clrMapOvr>
+  <p:timing>
+    <p:tnLst>
+      <p:par>
+        <p:cTn id="1" dur="indefinite" restart="never" nodeType="tmRoot"/>
+      </p:par>
+    </p:tnLst>
+  </p:timing>
 </p:sld>
 </file>
 
-<file path=ppt/slides/slide3.xml><?xml version="1.0" encoding="utf-8"?>
+<file path=ppt/slides/slide11.xml><?xml version="1.0" encoding="utf-8"?>
 <p:sld xmlns:a="http://schemas.openxmlformats.org/drawingml/2006/main" xmlns:r="http://schemas.openxmlformats.org/officeDocument/2006/relationships" xmlns:p="http://schemas.openxmlformats.org/presentationml/2006/main">
   <p:cSld>
     <p:spTree>
@@ -3836,6 +3915,1685 @@
           <a:chExt cx="0" cy="0"/>
         </a:xfrm>
       </p:grpSpPr>
+      <p:pic>
+        <p:nvPicPr>
+          <p:cNvPr id="4" name="Content Placeholder 3"/>
+          <p:cNvPicPr>
+            <a:picLocks noGrp="1" noChangeAspect="1"/>
+          </p:cNvPicPr>
+          <p:nvPr>
+            <p:ph idx="1"/>
+          </p:nvPr>
+        </p:nvPicPr>
+        <p:blipFill>
+          <a:blip r:embed="rId2"/>
+          <a:stretch>
+            <a:fillRect/>
+          </a:stretch>
+        </p:blipFill>
+        <p:spPr>
+          <a:xfrm>
+            <a:off x="1305663" y="1545465"/>
+            <a:ext cx="10453839" cy="6778289"/>
+          </a:xfrm>
+          <a:prstGeom prst="rect">
+            <a:avLst/>
+          </a:prstGeom>
+        </p:spPr>
+      </p:pic>
+    </p:spTree>
+    <p:extLst>
+      <p:ext uri="{BB962C8B-B14F-4D97-AF65-F5344CB8AC3E}">
+        <p14:creationId xmlns:p14="http://schemas.microsoft.com/office/powerpoint/2010/main" val="1143745410"/>
+      </p:ext>
+    </p:extLst>
+  </p:cSld>
+  <p:clrMapOvr>
+    <a:masterClrMapping/>
+  </p:clrMapOvr>
+  <p:timing>
+    <p:tnLst>
+      <p:par>
+        <p:cTn id="1" dur="indefinite" restart="never" nodeType="tmRoot"/>
+      </p:par>
+    </p:tnLst>
+  </p:timing>
+</p:sld>
+</file>
+
+<file path=ppt/slides/slide12.xml><?xml version="1.0" encoding="utf-8"?>
+<p:sld xmlns:a="http://schemas.openxmlformats.org/drawingml/2006/main" xmlns:r="http://schemas.openxmlformats.org/officeDocument/2006/relationships" xmlns:p="http://schemas.openxmlformats.org/presentationml/2006/main">
+  <p:cSld>
+    <p:spTree>
+      <p:nvGrpSpPr>
+        <p:cNvPr id="1" name=""/>
+        <p:cNvGrpSpPr/>
+        <p:nvPr/>
+      </p:nvGrpSpPr>
+      <p:grpSpPr>
+        <a:xfrm>
+          <a:off x="0" y="0"/>
+          <a:ext cx="0" cy="0"/>
+          <a:chOff x="0" y="0"/>
+          <a:chExt cx="0" cy="0"/>
+        </a:xfrm>
+      </p:grpSpPr>
+      <p:pic>
+        <p:nvPicPr>
+          <p:cNvPr id="4" name="Content Placeholder 3"/>
+          <p:cNvPicPr>
+            <a:picLocks noGrp="1" noChangeAspect="1"/>
+          </p:cNvPicPr>
+          <p:nvPr>
+            <p:ph idx="1"/>
+          </p:nvPr>
+        </p:nvPicPr>
+        <p:blipFill rotWithShape="1">
+          <a:blip r:embed="rId2"/>
+          <a:srcRect l="9534" r="26670" b="56784"/>
+          <a:stretch/>
+        </p:blipFill>
+        <p:spPr>
+          <a:xfrm>
+            <a:off x="759853" y="850006"/>
+            <a:ext cx="10211745" cy="3477297"/>
+          </a:xfrm>
+          <a:prstGeom prst="rect">
+            <a:avLst/>
+          </a:prstGeom>
+        </p:spPr>
+      </p:pic>
+    </p:spTree>
+    <p:extLst>
+      <p:ext uri="{BB962C8B-B14F-4D97-AF65-F5344CB8AC3E}">
+        <p14:creationId xmlns:p14="http://schemas.microsoft.com/office/powerpoint/2010/main" val="2288220519"/>
+      </p:ext>
+    </p:extLst>
+  </p:cSld>
+  <p:clrMapOvr>
+    <a:masterClrMapping/>
+  </p:clrMapOvr>
+  <p:timing>
+    <p:tnLst>
+      <p:par>
+        <p:cTn id="1" dur="indefinite" restart="never" nodeType="tmRoot"/>
+      </p:par>
+    </p:tnLst>
+  </p:timing>
+</p:sld>
+</file>
+
+<file path=ppt/slides/slide13.xml><?xml version="1.0" encoding="utf-8"?>
+<p:sld xmlns:a="http://schemas.openxmlformats.org/drawingml/2006/main" xmlns:r="http://schemas.openxmlformats.org/officeDocument/2006/relationships" xmlns:p="http://schemas.openxmlformats.org/presentationml/2006/main">
+  <p:cSld>
+    <p:spTree>
+      <p:nvGrpSpPr>
+        <p:cNvPr id="1" name=""/>
+        <p:cNvGrpSpPr/>
+        <p:nvPr/>
+      </p:nvGrpSpPr>
+      <p:grpSpPr>
+        <a:xfrm>
+          <a:off x="0" y="0"/>
+          <a:ext cx="0" cy="0"/>
+          <a:chOff x="0" y="0"/>
+          <a:chExt cx="0" cy="0"/>
+        </a:xfrm>
+      </p:grpSpPr>
+      <p:pic>
+        <p:nvPicPr>
+          <p:cNvPr id="4" name="Content Placeholder 3"/>
+          <p:cNvPicPr>
+            <a:picLocks noGrp="1" noChangeAspect="1"/>
+          </p:cNvPicPr>
+          <p:nvPr>
+            <p:ph idx="1"/>
+          </p:nvPr>
+        </p:nvPicPr>
+        <p:blipFill rotWithShape="1">
+          <a:blip r:embed="rId2"/>
+          <a:srcRect l="4785" t="9177" r="29770" b="25648"/>
+          <a:stretch/>
+        </p:blipFill>
+        <p:spPr>
+          <a:xfrm>
+            <a:off x="1056067" y="676625"/>
+            <a:ext cx="9594761" cy="5093111"/>
+          </a:xfrm>
+          <a:prstGeom prst="rect">
+            <a:avLst/>
+          </a:prstGeom>
+        </p:spPr>
+      </p:pic>
+    </p:spTree>
+    <p:extLst>
+      <p:ext uri="{BB962C8B-B14F-4D97-AF65-F5344CB8AC3E}">
+        <p14:creationId xmlns:p14="http://schemas.microsoft.com/office/powerpoint/2010/main" val="3519030012"/>
+      </p:ext>
+    </p:extLst>
+  </p:cSld>
+  <p:clrMapOvr>
+    <a:masterClrMapping/>
+  </p:clrMapOvr>
+  <p:timing>
+    <p:tnLst>
+      <p:par>
+        <p:cTn id="1" dur="indefinite" restart="never" nodeType="tmRoot"/>
+      </p:par>
+    </p:tnLst>
+  </p:timing>
+</p:sld>
+</file>
+
+<file path=ppt/slides/slide14.xml><?xml version="1.0" encoding="utf-8"?>
+<p:sld xmlns:a="http://schemas.openxmlformats.org/drawingml/2006/main" xmlns:r="http://schemas.openxmlformats.org/officeDocument/2006/relationships" xmlns:p="http://schemas.openxmlformats.org/presentationml/2006/main">
+  <p:cSld>
+    <p:spTree>
+      <p:nvGrpSpPr>
+        <p:cNvPr id="1" name=""/>
+        <p:cNvGrpSpPr/>
+        <p:nvPr/>
+      </p:nvGrpSpPr>
+      <p:grpSpPr>
+        <a:xfrm>
+          <a:off x="0" y="0"/>
+          <a:ext cx="0" cy="0"/>
+          <a:chOff x="0" y="0"/>
+          <a:chExt cx="0" cy="0"/>
+        </a:xfrm>
+      </p:grpSpPr>
+      <p:pic>
+        <p:nvPicPr>
+          <p:cNvPr id="4" name="Content Placeholder 3"/>
+          <p:cNvPicPr>
+            <a:picLocks noGrp="1" noChangeAspect="1"/>
+          </p:cNvPicPr>
+          <p:nvPr>
+            <p:ph idx="1"/>
+          </p:nvPr>
+        </p:nvPicPr>
+        <p:blipFill>
+          <a:blip r:embed="rId2"/>
+          <a:stretch>
+            <a:fillRect/>
+          </a:stretch>
+        </p:blipFill>
+        <p:spPr>
+          <a:xfrm>
+            <a:off x="1895475" y="1858169"/>
+            <a:ext cx="8401050" cy="4286250"/>
+          </a:xfrm>
+          <a:prstGeom prst="rect">
+            <a:avLst/>
+          </a:prstGeom>
+        </p:spPr>
+      </p:pic>
+      <p:pic>
+        <p:nvPicPr>
+          <p:cNvPr id="5" name="Content Placeholder 3"/>
+          <p:cNvPicPr>
+            <a:picLocks noChangeAspect="1"/>
+          </p:cNvPicPr>
+          <p:nvPr/>
+        </p:nvPicPr>
+        <p:blipFill rotWithShape="1">
+          <a:blip r:embed="rId3"/>
+          <a:srcRect l="8134" r="14015" b="9348"/>
+          <a:stretch/>
+        </p:blipFill>
+        <p:spPr>
+          <a:xfrm>
+            <a:off x="1146220" y="404640"/>
+            <a:ext cx="10315978" cy="6112069"/>
+          </a:xfrm>
+          <a:prstGeom prst="rect">
+            <a:avLst/>
+          </a:prstGeom>
+        </p:spPr>
+      </p:pic>
+    </p:spTree>
+    <p:extLst>
+      <p:ext uri="{BB962C8B-B14F-4D97-AF65-F5344CB8AC3E}">
+        <p14:creationId xmlns:p14="http://schemas.microsoft.com/office/powerpoint/2010/main" val="3148964018"/>
+      </p:ext>
+    </p:extLst>
+  </p:cSld>
+  <p:clrMapOvr>
+    <a:masterClrMapping/>
+  </p:clrMapOvr>
+  <p:timing>
+    <p:tnLst>
+      <p:par>
+        <p:cTn id="1" dur="indefinite" restart="never" nodeType="tmRoot"/>
+      </p:par>
+    </p:tnLst>
+  </p:timing>
+</p:sld>
+</file>
+
+<file path=ppt/slides/slide15.xml><?xml version="1.0" encoding="utf-8"?>
+<p:sld xmlns:a="http://schemas.openxmlformats.org/drawingml/2006/main" xmlns:r="http://schemas.openxmlformats.org/officeDocument/2006/relationships" xmlns:p="http://schemas.openxmlformats.org/presentationml/2006/main">
+  <p:cSld>
+    <p:spTree>
+      <p:nvGrpSpPr>
+        <p:cNvPr id="1" name=""/>
+        <p:cNvGrpSpPr/>
+        <p:nvPr/>
+      </p:nvGrpSpPr>
+      <p:grpSpPr>
+        <a:xfrm>
+          <a:off x="0" y="0"/>
+          <a:ext cx="0" cy="0"/>
+          <a:chOff x="0" y="0"/>
+          <a:chExt cx="0" cy="0"/>
+        </a:xfrm>
+      </p:grpSpPr>
+      <p:pic>
+        <p:nvPicPr>
+          <p:cNvPr id="4" name="Content Placeholder 3"/>
+          <p:cNvPicPr>
+            <a:picLocks noGrp="1" noChangeAspect="1"/>
+          </p:cNvPicPr>
+          <p:nvPr>
+            <p:ph idx="1"/>
+          </p:nvPr>
+        </p:nvPicPr>
+        <p:blipFill rotWithShape="1">
+          <a:blip r:embed="rId2"/>
+          <a:srcRect r="25175" b="16912"/>
+          <a:stretch/>
+        </p:blipFill>
+        <p:spPr>
+          <a:xfrm>
+            <a:off x="705257" y="393314"/>
+            <a:ext cx="10203149" cy="5749910"/>
+          </a:xfrm>
+          <a:prstGeom prst="rect">
+            <a:avLst/>
+          </a:prstGeom>
+        </p:spPr>
+      </p:pic>
+    </p:spTree>
+    <p:extLst>
+      <p:ext uri="{BB962C8B-B14F-4D97-AF65-F5344CB8AC3E}">
+        <p14:creationId xmlns:p14="http://schemas.microsoft.com/office/powerpoint/2010/main" val="4256474865"/>
+      </p:ext>
+    </p:extLst>
+  </p:cSld>
+  <p:clrMapOvr>
+    <a:masterClrMapping/>
+  </p:clrMapOvr>
+  <p:timing>
+    <p:tnLst>
+      <p:par>
+        <p:cTn id="1" dur="indefinite" restart="never" nodeType="tmRoot"/>
+      </p:par>
+    </p:tnLst>
+  </p:timing>
+</p:sld>
+</file>
+
+<file path=ppt/slides/slide16.xml><?xml version="1.0" encoding="utf-8"?>
+<p:sld xmlns:a="http://schemas.openxmlformats.org/drawingml/2006/main" xmlns:r="http://schemas.openxmlformats.org/officeDocument/2006/relationships" xmlns:p="http://schemas.openxmlformats.org/presentationml/2006/main">
+  <p:cSld>
+    <p:spTree>
+      <p:nvGrpSpPr>
+        <p:cNvPr id="1" name=""/>
+        <p:cNvGrpSpPr/>
+        <p:nvPr/>
+      </p:nvGrpSpPr>
+      <p:grpSpPr>
+        <a:xfrm>
+          <a:off x="0" y="0"/>
+          <a:ext cx="0" cy="0"/>
+          <a:chOff x="0" y="0"/>
+          <a:chExt cx="0" cy="0"/>
+        </a:xfrm>
+      </p:grpSpPr>
+      <p:pic>
+        <p:nvPicPr>
+          <p:cNvPr id="6" name="Content Placeholder 5"/>
+          <p:cNvPicPr>
+            <a:picLocks noGrp="1" noChangeAspect="1"/>
+          </p:cNvPicPr>
+          <p:nvPr>
+            <p:ph idx="1"/>
+          </p:nvPr>
+        </p:nvPicPr>
+        <p:blipFill rotWithShape="1">
+          <a:blip r:embed="rId2"/>
+          <a:srcRect l="7464" r="15309" b="5296"/>
+          <a:stretch/>
+        </p:blipFill>
+        <p:spPr>
+          <a:xfrm>
+            <a:off x="965915" y="300730"/>
+            <a:ext cx="10380372" cy="6357647"/>
+          </a:xfrm>
+          <a:prstGeom prst="rect">
+            <a:avLst/>
+          </a:prstGeom>
+        </p:spPr>
+      </p:pic>
+    </p:spTree>
+    <p:extLst>
+      <p:ext uri="{BB962C8B-B14F-4D97-AF65-F5344CB8AC3E}">
+        <p14:creationId xmlns:p14="http://schemas.microsoft.com/office/powerpoint/2010/main" val="3140283952"/>
+      </p:ext>
+    </p:extLst>
+  </p:cSld>
+  <p:clrMapOvr>
+    <a:masterClrMapping/>
+  </p:clrMapOvr>
+  <p:timing>
+    <p:tnLst>
+      <p:par>
+        <p:cTn id="1" dur="indefinite" restart="never" nodeType="tmRoot"/>
+      </p:par>
+    </p:tnLst>
+  </p:timing>
+</p:sld>
+</file>
+
+<file path=ppt/slides/slide17.xml><?xml version="1.0" encoding="utf-8"?>
+<p:sld xmlns:a="http://schemas.openxmlformats.org/drawingml/2006/main" xmlns:r="http://schemas.openxmlformats.org/officeDocument/2006/relationships" xmlns:p="http://schemas.openxmlformats.org/presentationml/2006/main">
+  <p:cSld>
+    <p:spTree>
+      <p:nvGrpSpPr>
+        <p:cNvPr id="1" name=""/>
+        <p:cNvGrpSpPr/>
+        <p:nvPr/>
+      </p:nvGrpSpPr>
+      <p:grpSpPr>
+        <a:xfrm>
+          <a:off x="0" y="0"/>
+          <a:ext cx="0" cy="0"/>
+          <a:chOff x="0" y="0"/>
+          <a:chExt cx="0" cy="0"/>
+        </a:xfrm>
+      </p:grpSpPr>
+      <p:pic>
+        <p:nvPicPr>
+          <p:cNvPr id="4" name="Content Placeholder 3"/>
+          <p:cNvPicPr>
+            <a:picLocks noGrp="1" noChangeAspect="1"/>
+          </p:cNvPicPr>
+          <p:nvPr>
+            <p:ph idx="1"/>
+          </p:nvPr>
+        </p:nvPicPr>
+        <p:blipFill rotWithShape="1">
+          <a:blip r:embed="rId2"/>
+          <a:srcRect r="23154" b="44334"/>
+          <a:stretch/>
+        </p:blipFill>
+        <p:spPr>
+          <a:xfrm>
+            <a:off x="1506828" y="1146218"/>
+            <a:ext cx="8912180" cy="3554571"/>
+          </a:xfrm>
+          <a:prstGeom prst="rect">
+            <a:avLst/>
+          </a:prstGeom>
+        </p:spPr>
+      </p:pic>
+    </p:spTree>
+    <p:extLst>
+      <p:ext uri="{BB962C8B-B14F-4D97-AF65-F5344CB8AC3E}">
+        <p14:creationId xmlns:p14="http://schemas.microsoft.com/office/powerpoint/2010/main" val="1645310214"/>
+      </p:ext>
+    </p:extLst>
+  </p:cSld>
+  <p:clrMapOvr>
+    <a:masterClrMapping/>
+  </p:clrMapOvr>
+  <p:timing>
+    <p:tnLst>
+      <p:par>
+        <p:cTn id="1" dur="indefinite" restart="never" nodeType="tmRoot"/>
+      </p:par>
+    </p:tnLst>
+  </p:timing>
+</p:sld>
+</file>
+
+<file path=ppt/slides/slide18.xml><?xml version="1.0" encoding="utf-8"?>
+<p:sld xmlns:a="http://schemas.openxmlformats.org/drawingml/2006/main" xmlns:r="http://schemas.openxmlformats.org/officeDocument/2006/relationships" xmlns:p="http://schemas.openxmlformats.org/presentationml/2006/main">
+  <p:cSld>
+    <p:spTree>
+      <p:nvGrpSpPr>
+        <p:cNvPr id="1" name=""/>
+        <p:cNvGrpSpPr/>
+        <p:nvPr/>
+      </p:nvGrpSpPr>
+      <p:grpSpPr>
+        <a:xfrm>
+          <a:off x="0" y="0"/>
+          <a:ext cx="0" cy="0"/>
+          <a:chOff x="0" y="0"/>
+          <a:chExt cx="0" cy="0"/>
+        </a:xfrm>
+      </p:grpSpPr>
+      <p:pic>
+        <p:nvPicPr>
+          <p:cNvPr id="4" name="Content Placeholder 3"/>
+          <p:cNvPicPr>
+            <a:picLocks noGrp="1" noChangeAspect="1"/>
+          </p:cNvPicPr>
+          <p:nvPr>
+            <p:ph idx="1"/>
+          </p:nvPr>
+        </p:nvPicPr>
+        <p:blipFill rotWithShape="1">
+          <a:blip r:embed="rId2"/>
+          <a:srcRect l="24586" r="-551" b="13081"/>
+          <a:stretch/>
+        </p:blipFill>
+        <p:spPr>
+          <a:xfrm>
+            <a:off x="2266682" y="365125"/>
+            <a:ext cx="9749307" cy="5623551"/>
+          </a:xfrm>
+          <a:prstGeom prst="rect">
+            <a:avLst/>
+          </a:prstGeom>
+        </p:spPr>
+      </p:pic>
+    </p:spTree>
+    <p:extLst>
+      <p:ext uri="{BB962C8B-B14F-4D97-AF65-F5344CB8AC3E}">
+        <p14:creationId xmlns:p14="http://schemas.microsoft.com/office/powerpoint/2010/main" val="1617709926"/>
+      </p:ext>
+    </p:extLst>
+  </p:cSld>
+  <p:clrMapOvr>
+    <a:masterClrMapping/>
+  </p:clrMapOvr>
+  <p:timing>
+    <p:tnLst>
+      <p:par>
+        <p:cTn id="1" dur="indefinite" restart="never" nodeType="tmRoot"/>
+      </p:par>
+    </p:tnLst>
+  </p:timing>
+</p:sld>
+</file>
+
+<file path=ppt/slides/slide19.xml><?xml version="1.0" encoding="utf-8"?>
+<p:sld xmlns:a="http://schemas.openxmlformats.org/drawingml/2006/main" xmlns:r="http://schemas.openxmlformats.org/officeDocument/2006/relationships" xmlns:p="http://schemas.openxmlformats.org/presentationml/2006/main">
+  <p:cSld>
+    <p:spTree>
+      <p:nvGrpSpPr>
+        <p:cNvPr id="1" name=""/>
+        <p:cNvGrpSpPr/>
+        <p:nvPr/>
+      </p:nvGrpSpPr>
+      <p:grpSpPr>
+        <a:xfrm>
+          <a:off x="0" y="0"/>
+          <a:ext cx="0" cy="0"/>
+          <a:chOff x="0" y="0"/>
+          <a:chExt cx="0" cy="0"/>
+        </a:xfrm>
+      </p:grpSpPr>
+      <p:pic>
+        <p:nvPicPr>
+          <p:cNvPr id="4" name="Content Placeholder 3"/>
+          <p:cNvPicPr>
+            <a:picLocks noGrp="1" noChangeAspect="1"/>
+          </p:cNvPicPr>
+          <p:nvPr>
+            <p:ph idx="1"/>
+          </p:nvPr>
+        </p:nvPicPr>
+        <p:blipFill rotWithShape="1">
+          <a:blip r:embed="rId2"/>
+          <a:srcRect t="-7682" r="29971" b="21625"/>
+          <a:stretch/>
+        </p:blipFill>
+        <p:spPr>
+          <a:xfrm>
+            <a:off x="1648497" y="489398"/>
+            <a:ext cx="8615966" cy="5743977"/>
+          </a:xfrm>
+          <a:prstGeom prst="rect">
+            <a:avLst/>
+          </a:prstGeom>
+        </p:spPr>
+      </p:pic>
+    </p:spTree>
+    <p:extLst>
+      <p:ext uri="{BB962C8B-B14F-4D97-AF65-F5344CB8AC3E}">
+        <p14:creationId xmlns:p14="http://schemas.microsoft.com/office/powerpoint/2010/main" val="899973477"/>
+      </p:ext>
+    </p:extLst>
+  </p:cSld>
+  <p:clrMapOvr>
+    <a:masterClrMapping/>
+  </p:clrMapOvr>
+  <p:timing>
+    <p:tnLst>
+      <p:par>
+        <p:cTn id="1" dur="indefinite" restart="never" nodeType="tmRoot"/>
+      </p:par>
+    </p:tnLst>
+  </p:timing>
+</p:sld>
+</file>
+
+<file path=ppt/slides/slide2.xml><?xml version="1.0" encoding="utf-8"?>
+<p:sld xmlns:a="http://schemas.openxmlformats.org/drawingml/2006/main" xmlns:r="http://schemas.openxmlformats.org/officeDocument/2006/relationships" xmlns:p="http://schemas.openxmlformats.org/presentationml/2006/main">
+  <p:cSld>
+    <p:bg>
+      <p:bgPr>
+        <a:gradFill>
+          <a:gsLst>
+            <a:gs pos="0">
+              <a:srgbClr val="23426F"/>
+            </a:gs>
+            <a:gs pos="100000">
+              <a:srgbClr val="07A6A8"/>
+            </a:gs>
+          </a:gsLst>
+          <a:lin ang="5400000" scaled="1"/>
+        </a:gradFill>
+        <a:effectLst/>
+      </p:bgPr>
+    </p:bg>
+    <p:spTree>
+      <p:nvGrpSpPr>
+        <p:cNvPr id="1" name=""/>
+        <p:cNvGrpSpPr/>
+        <p:nvPr/>
+      </p:nvGrpSpPr>
+      <p:grpSpPr>
+        <a:xfrm>
+          <a:off x="0" y="0"/>
+          <a:ext cx="0" cy="0"/>
+          <a:chOff x="0" y="0"/>
+          <a:chExt cx="0" cy="0"/>
+        </a:xfrm>
+      </p:grpSpPr>
+      <p:sp>
+        <p:nvSpPr>
+          <p:cNvPr id="4" name="TextBox 3"/>
+          <p:cNvSpPr txBox="1"/>
+          <p:nvPr/>
+        </p:nvSpPr>
+        <p:spPr>
+          <a:xfrm>
+            <a:off x="3324923" y="515351"/>
+            <a:ext cx="5331655" cy="1015663"/>
+          </a:xfrm>
+          <a:prstGeom prst="rect">
+            <a:avLst/>
+          </a:prstGeom>
+          <a:noFill/>
+        </p:spPr>
+        <p:txBody>
+          <a:bodyPr wrap="square" rtlCol="0">
+            <a:spAutoFit/>
+          </a:bodyPr>
+          <a:lstStyle/>
+          <a:p>
+            <a:r>
+              <a:rPr lang="en-US" sz="6000" dirty="0" smtClean="0">
+                <a:solidFill>
+                  <a:schemeClr val="bg1"/>
+                </a:solidFill>
+                <a:latin typeface="Britannic Bold" panose="020B0903060703020204" pitchFamily="34" charset="0"/>
+              </a:rPr>
+              <a:t>Three Modules</a:t>
+            </a:r>
+            <a:endParaRPr lang="en-US" sz="6000" dirty="0">
+              <a:solidFill>
+                <a:schemeClr val="bg1"/>
+              </a:solidFill>
+              <a:latin typeface="Britannic Bold" panose="020B0903060703020204" pitchFamily="34" charset="0"/>
+            </a:endParaRPr>
+          </a:p>
+        </p:txBody>
+      </p:sp>
+      <p:grpSp>
+        <p:nvGrpSpPr>
+          <p:cNvPr id="5" name="Group 4"/>
+          <p:cNvGrpSpPr/>
+          <p:nvPr/>
+        </p:nvGrpSpPr>
+        <p:grpSpPr>
+          <a:xfrm>
+            <a:off x="529883" y="2077287"/>
+            <a:ext cx="11816862" cy="3970314"/>
+            <a:chOff x="424607" y="516465"/>
+            <a:chExt cx="3720673" cy="2503256"/>
+          </a:xfrm>
+        </p:grpSpPr>
+        <p:sp>
+          <p:nvSpPr>
+            <p:cNvPr id="8" name="TextBox 7"/>
+            <p:cNvSpPr txBox="1"/>
+            <p:nvPr/>
+          </p:nvSpPr>
+          <p:spPr>
+            <a:xfrm>
+              <a:off x="424607" y="1350884"/>
+              <a:ext cx="3720673" cy="834419"/>
+            </a:xfrm>
+            <a:prstGeom prst="rect">
+              <a:avLst/>
+            </a:prstGeom>
+            <a:noFill/>
+          </p:spPr>
+          <p:txBody>
+            <a:bodyPr wrap="square" rtlCol="0">
+              <a:spAutoFit/>
+            </a:bodyPr>
+            <a:lstStyle/>
+            <a:p>
+              <a:r>
+                <a:rPr lang="en-US" sz="4000" b="1" spc="-300" dirty="0" smtClean="0">
+                  <a:solidFill>
+                    <a:schemeClr val="accent1">
+                      <a:lumMod val="20000"/>
+                      <a:lumOff val="80000"/>
+                    </a:schemeClr>
+                  </a:solidFill>
+                  <a:latin typeface="Prestige Elite Std" panose="02060509020206020304" pitchFamily="49" charset="0"/>
+                </a:rPr>
+                <a:t>2. Schedule Management</a:t>
+              </a:r>
+            </a:p>
+            <a:p>
+              <a:r>
+                <a:rPr lang="en-US" sz="4000" b="1" spc="-300" dirty="0" smtClean="0">
+                  <a:solidFill>
+                    <a:schemeClr val="accent1">
+                      <a:lumMod val="20000"/>
+                      <a:lumOff val="80000"/>
+                    </a:schemeClr>
+                  </a:solidFill>
+                  <a:latin typeface="Prestige Elite Std" panose="02060509020206020304" pitchFamily="49" charset="0"/>
+                </a:rPr>
+                <a:t>	-For Flight crew and other 	employees</a:t>
+              </a:r>
+              <a:endParaRPr lang="en-US" sz="4000" b="1" spc="-300" dirty="0">
+                <a:solidFill>
+                  <a:schemeClr val="accent1">
+                    <a:lumMod val="20000"/>
+                    <a:lumOff val="80000"/>
+                  </a:schemeClr>
+                </a:solidFill>
+                <a:latin typeface="Prestige Elite Std" panose="02060509020206020304" pitchFamily="49" charset="0"/>
+              </a:endParaRPr>
+            </a:p>
+          </p:txBody>
+        </p:sp>
+        <p:sp>
+          <p:nvSpPr>
+            <p:cNvPr id="10" name="TextBox 9"/>
+            <p:cNvSpPr txBox="1"/>
+            <p:nvPr/>
+          </p:nvSpPr>
+          <p:spPr>
+            <a:xfrm>
+              <a:off x="424607" y="516465"/>
+              <a:ext cx="3519704" cy="834419"/>
+            </a:xfrm>
+            <a:prstGeom prst="rect">
+              <a:avLst/>
+            </a:prstGeom>
+            <a:noFill/>
+          </p:spPr>
+          <p:txBody>
+            <a:bodyPr wrap="square" rtlCol="0">
+              <a:spAutoFit/>
+            </a:bodyPr>
+            <a:lstStyle/>
+            <a:p>
+              <a:r>
+                <a:rPr lang="en-US" sz="4000" b="1" spc="-300" dirty="0" smtClean="0">
+                  <a:solidFill>
+                    <a:schemeClr val="accent1">
+                      <a:lumMod val="20000"/>
+                      <a:lumOff val="80000"/>
+                    </a:schemeClr>
+                  </a:solidFill>
+                  <a:latin typeface="Prestige Elite Std" panose="02060509020206020304" pitchFamily="49" charset="0"/>
+                </a:rPr>
+                <a:t>1. Ticket Booking System</a:t>
+              </a:r>
+            </a:p>
+            <a:p>
+              <a:r>
+                <a:rPr lang="en-US" sz="4000" b="1" spc="-300" dirty="0" smtClean="0">
+                  <a:solidFill>
+                    <a:schemeClr val="accent1">
+                      <a:lumMod val="20000"/>
+                      <a:lumOff val="80000"/>
+                    </a:schemeClr>
+                  </a:solidFill>
+                  <a:latin typeface="Prestige Elite Std" panose="02060509020206020304" pitchFamily="49" charset="0"/>
+                </a:rPr>
+                <a:t>	-For Passengers</a:t>
+              </a:r>
+              <a:endParaRPr lang="en-US" sz="4000" b="1" spc="-300" dirty="0">
+                <a:solidFill>
+                  <a:schemeClr val="accent1">
+                    <a:lumMod val="20000"/>
+                    <a:lumOff val="80000"/>
+                  </a:schemeClr>
+                </a:solidFill>
+                <a:latin typeface="Prestige Elite Std" panose="02060509020206020304" pitchFamily="49" charset="0"/>
+              </a:endParaRPr>
+            </a:p>
+          </p:txBody>
+        </p:sp>
+        <p:sp>
+          <p:nvSpPr>
+            <p:cNvPr id="12" name="TextBox 11"/>
+            <p:cNvSpPr txBox="1"/>
+            <p:nvPr/>
+          </p:nvSpPr>
+          <p:spPr>
+            <a:xfrm>
+              <a:off x="424607" y="2185302"/>
+              <a:ext cx="3720673" cy="834419"/>
+            </a:xfrm>
+            <a:prstGeom prst="rect">
+              <a:avLst/>
+            </a:prstGeom>
+            <a:noFill/>
+          </p:spPr>
+          <p:txBody>
+            <a:bodyPr wrap="square" rtlCol="0">
+              <a:spAutoFit/>
+            </a:bodyPr>
+            <a:lstStyle/>
+            <a:p>
+              <a:r>
+                <a:rPr lang="en-US" sz="4000" b="1" spc="-300" dirty="0" smtClean="0">
+                  <a:solidFill>
+                    <a:schemeClr val="accent1">
+                      <a:lumMod val="20000"/>
+                      <a:lumOff val="80000"/>
+                    </a:schemeClr>
+                  </a:solidFill>
+                  <a:latin typeface="Prestige Elite Std" panose="02060509020206020304" pitchFamily="49" charset="0"/>
+                </a:rPr>
+                <a:t>3. Sales Report &amp; Aircraft maintenance</a:t>
+              </a:r>
+            </a:p>
+            <a:p>
+              <a:r>
+                <a:rPr lang="en-US" sz="4000" b="1" spc="-300" dirty="0" smtClean="0">
+                  <a:solidFill>
+                    <a:schemeClr val="accent1">
+                      <a:lumMod val="20000"/>
+                      <a:lumOff val="80000"/>
+                    </a:schemeClr>
+                  </a:solidFill>
+                  <a:latin typeface="Prestige Elite Std" panose="02060509020206020304" pitchFamily="49" charset="0"/>
+                </a:rPr>
+                <a:t>	-For Manager</a:t>
+              </a:r>
+              <a:endParaRPr lang="en-US" sz="4000" b="1" spc="-300" dirty="0">
+                <a:solidFill>
+                  <a:schemeClr val="accent1">
+                    <a:lumMod val="20000"/>
+                    <a:lumOff val="80000"/>
+                  </a:schemeClr>
+                </a:solidFill>
+                <a:latin typeface="Prestige Elite Std" panose="02060509020206020304" pitchFamily="49" charset="0"/>
+              </a:endParaRPr>
+            </a:p>
+          </p:txBody>
+        </p:sp>
+      </p:grpSp>
+    </p:spTree>
+    <p:extLst>
+      <p:ext uri="{BB962C8B-B14F-4D97-AF65-F5344CB8AC3E}">
+        <p14:creationId xmlns:p14="http://schemas.microsoft.com/office/powerpoint/2010/main" val="4019090808"/>
+      </p:ext>
+    </p:extLst>
+  </p:cSld>
+  <p:clrMapOvr>
+    <a:masterClrMapping/>
+  </p:clrMapOvr>
+  <p:timing>
+    <p:tnLst>
+      <p:par>
+        <p:cTn id="1" dur="indefinite" restart="never" nodeType="tmRoot"/>
+      </p:par>
+    </p:tnLst>
+  </p:timing>
+</p:sld>
+</file>
+
+<file path=ppt/slides/slide20.xml><?xml version="1.0" encoding="utf-8"?>
+<p:sld xmlns:a="http://schemas.openxmlformats.org/drawingml/2006/main" xmlns:r="http://schemas.openxmlformats.org/officeDocument/2006/relationships" xmlns:p="http://schemas.openxmlformats.org/presentationml/2006/main">
+  <p:cSld>
+    <p:spTree>
+      <p:nvGrpSpPr>
+        <p:cNvPr id="1" name=""/>
+        <p:cNvGrpSpPr/>
+        <p:nvPr/>
+      </p:nvGrpSpPr>
+      <p:grpSpPr>
+        <a:xfrm>
+          <a:off x="0" y="0"/>
+          <a:ext cx="0" cy="0"/>
+          <a:chOff x="0" y="0"/>
+          <a:chExt cx="0" cy="0"/>
+        </a:xfrm>
+      </p:grpSpPr>
+      <p:sp>
+        <p:nvSpPr>
+          <p:cNvPr id="2" name="Title 1"/>
+          <p:cNvSpPr>
+            <a:spLocks noGrp="1"/>
+          </p:cNvSpPr>
+          <p:nvPr>
+            <p:ph type="title"/>
+          </p:nvPr>
+        </p:nvSpPr>
+        <p:spPr/>
+        <p:txBody>
+          <a:bodyPr/>
+          <a:lstStyle/>
+          <a:p>
+            <a:endParaRPr lang="en-US"/>
+          </a:p>
+        </p:txBody>
+      </p:sp>
+      <p:pic>
+        <p:nvPicPr>
+          <p:cNvPr id="4" name="Content Placeholder 3"/>
+          <p:cNvPicPr>
+            <a:picLocks noGrp="1" noChangeAspect="1"/>
+          </p:cNvPicPr>
+          <p:nvPr>
+            <p:ph idx="1"/>
+          </p:nvPr>
+        </p:nvPicPr>
+        <p:blipFill>
+          <a:blip r:embed="rId2"/>
+          <a:stretch>
+            <a:fillRect/>
+          </a:stretch>
+        </p:blipFill>
+        <p:spPr>
+          <a:xfrm>
+            <a:off x="-30994" y="61418"/>
+            <a:ext cx="12222994" cy="6796582"/>
+          </a:xfrm>
+          <a:prstGeom prst="rect">
+            <a:avLst/>
+          </a:prstGeom>
+        </p:spPr>
+      </p:pic>
+    </p:spTree>
+    <p:extLst>
+      <p:ext uri="{BB962C8B-B14F-4D97-AF65-F5344CB8AC3E}">
+        <p14:creationId xmlns:p14="http://schemas.microsoft.com/office/powerpoint/2010/main" val="2169951276"/>
+      </p:ext>
+    </p:extLst>
+  </p:cSld>
+  <p:clrMapOvr>
+    <a:masterClrMapping/>
+  </p:clrMapOvr>
+  <p:timing>
+    <p:tnLst>
+      <p:par>
+        <p:cTn id="1" dur="indefinite" restart="never" nodeType="tmRoot"/>
+      </p:par>
+    </p:tnLst>
+  </p:timing>
+</p:sld>
+</file>
+
+<file path=ppt/slides/slide21.xml><?xml version="1.0" encoding="utf-8"?>
+<p:sld xmlns:a="http://schemas.openxmlformats.org/drawingml/2006/main" xmlns:r="http://schemas.openxmlformats.org/officeDocument/2006/relationships" xmlns:p="http://schemas.openxmlformats.org/presentationml/2006/main">
+  <p:cSld>
+    <p:spTree>
+      <p:nvGrpSpPr>
+        <p:cNvPr id="1" name=""/>
+        <p:cNvGrpSpPr/>
+        <p:nvPr/>
+      </p:nvGrpSpPr>
+      <p:grpSpPr>
+        <a:xfrm>
+          <a:off x="0" y="0"/>
+          <a:ext cx="0" cy="0"/>
+          <a:chOff x="0" y="0"/>
+          <a:chExt cx="0" cy="0"/>
+        </a:xfrm>
+      </p:grpSpPr>
+      <p:pic>
+        <p:nvPicPr>
+          <p:cNvPr id="9" name="Picture 8"/>
+          <p:cNvPicPr>
+            <a:picLocks noChangeAspect="1"/>
+          </p:cNvPicPr>
+          <p:nvPr/>
+        </p:nvPicPr>
+        <p:blipFill rotWithShape="1">
+          <a:blip r:embed="rId2"/>
+          <a:srcRect t="14272" r="14626" b="45724"/>
+          <a:stretch/>
+        </p:blipFill>
+        <p:spPr>
+          <a:xfrm>
+            <a:off x="444857" y="1287887"/>
+            <a:ext cx="9742628" cy="3412902"/>
+          </a:xfrm>
+          <a:prstGeom prst="rect">
+            <a:avLst/>
+          </a:prstGeom>
+        </p:spPr>
+      </p:pic>
+    </p:spTree>
+    <p:extLst>
+      <p:ext uri="{BB962C8B-B14F-4D97-AF65-F5344CB8AC3E}">
+        <p14:creationId xmlns:p14="http://schemas.microsoft.com/office/powerpoint/2010/main" val="443712695"/>
+      </p:ext>
+    </p:extLst>
+  </p:cSld>
+  <p:clrMapOvr>
+    <a:masterClrMapping/>
+  </p:clrMapOvr>
+  <p:timing>
+    <p:tnLst>
+      <p:par>
+        <p:cTn id="1" dur="indefinite" restart="never" nodeType="tmRoot"/>
+      </p:par>
+    </p:tnLst>
+  </p:timing>
+</p:sld>
+</file>
+
+<file path=ppt/slides/slide22.xml><?xml version="1.0" encoding="utf-8"?>
+<p:sld xmlns:a="http://schemas.openxmlformats.org/drawingml/2006/main" xmlns:r="http://schemas.openxmlformats.org/officeDocument/2006/relationships" xmlns:p="http://schemas.openxmlformats.org/presentationml/2006/main">
+  <p:cSld>
+    <p:spTree>
+      <p:nvGrpSpPr>
+        <p:cNvPr id="1" name=""/>
+        <p:cNvGrpSpPr/>
+        <p:nvPr/>
+      </p:nvGrpSpPr>
+      <p:grpSpPr>
+        <a:xfrm>
+          <a:off x="0" y="0"/>
+          <a:ext cx="0" cy="0"/>
+          <a:chOff x="0" y="0"/>
+          <a:chExt cx="0" cy="0"/>
+        </a:xfrm>
+      </p:grpSpPr>
+      <p:pic>
+        <p:nvPicPr>
+          <p:cNvPr id="4" name="Content Placeholder 3"/>
+          <p:cNvPicPr>
+            <a:picLocks noGrp="1" noChangeAspect="1"/>
+          </p:cNvPicPr>
+          <p:nvPr>
+            <p:ph idx="1"/>
+          </p:nvPr>
+        </p:nvPicPr>
+        <p:blipFill rotWithShape="1">
+          <a:blip r:embed="rId2"/>
+          <a:srcRect l="9215" b="5737"/>
+          <a:stretch/>
+        </p:blipFill>
+        <p:spPr>
+          <a:xfrm>
+            <a:off x="708337" y="185447"/>
+            <a:ext cx="10658342" cy="6575962"/>
+          </a:xfrm>
+          <a:prstGeom prst="rect">
+            <a:avLst/>
+          </a:prstGeom>
+        </p:spPr>
+      </p:pic>
+    </p:spTree>
+    <p:extLst>
+      <p:ext uri="{BB962C8B-B14F-4D97-AF65-F5344CB8AC3E}">
+        <p14:creationId xmlns:p14="http://schemas.microsoft.com/office/powerpoint/2010/main" val="2789428082"/>
+      </p:ext>
+    </p:extLst>
+  </p:cSld>
+  <p:clrMapOvr>
+    <a:masterClrMapping/>
+  </p:clrMapOvr>
+  <p:timing>
+    <p:tnLst>
+      <p:par>
+        <p:cTn id="1" dur="indefinite" restart="never" nodeType="tmRoot"/>
+      </p:par>
+    </p:tnLst>
+  </p:timing>
+</p:sld>
+</file>
+
+<file path=ppt/slides/slide23.xml><?xml version="1.0" encoding="utf-8"?>
+<p:sld xmlns:a="http://schemas.openxmlformats.org/drawingml/2006/main" xmlns:r="http://schemas.openxmlformats.org/officeDocument/2006/relationships" xmlns:p="http://schemas.openxmlformats.org/presentationml/2006/main">
+  <p:cSld>
+    <p:spTree>
+      <p:nvGrpSpPr>
+        <p:cNvPr id="1" name=""/>
+        <p:cNvGrpSpPr/>
+        <p:nvPr/>
+      </p:nvGrpSpPr>
+      <p:grpSpPr>
+        <a:xfrm>
+          <a:off x="0" y="0"/>
+          <a:ext cx="0" cy="0"/>
+          <a:chOff x="0" y="0"/>
+          <a:chExt cx="0" cy="0"/>
+        </a:xfrm>
+      </p:grpSpPr>
+      <p:pic>
+        <p:nvPicPr>
+          <p:cNvPr id="6" name="Content Placeholder 5"/>
+          <p:cNvPicPr>
+            <a:picLocks noGrp="1" noChangeAspect="1"/>
+          </p:cNvPicPr>
+          <p:nvPr>
+            <p:ph idx="1"/>
+          </p:nvPr>
+        </p:nvPicPr>
+        <p:blipFill>
+          <a:blip r:embed="rId2"/>
+          <a:stretch>
+            <a:fillRect/>
+          </a:stretch>
+        </p:blipFill>
+        <p:spPr>
+          <a:xfrm>
+            <a:off x="1880718" y="802014"/>
+            <a:ext cx="9890572" cy="7216972"/>
+          </a:xfrm>
+          <a:prstGeom prst="rect">
+            <a:avLst/>
+          </a:prstGeom>
+        </p:spPr>
+      </p:pic>
+    </p:spTree>
+    <p:extLst>
+      <p:ext uri="{BB962C8B-B14F-4D97-AF65-F5344CB8AC3E}">
+        <p14:creationId xmlns:p14="http://schemas.microsoft.com/office/powerpoint/2010/main" val="902174090"/>
+      </p:ext>
+    </p:extLst>
+  </p:cSld>
+  <p:clrMapOvr>
+    <a:masterClrMapping/>
+  </p:clrMapOvr>
+  <p:timing>
+    <p:tnLst>
+      <p:par>
+        <p:cTn id="1" dur="indefinite" restart="never" nodeType="tmRoot"/>
+      </p:par>
+    </p:tnLst>
+  </p:timing>
+</p:sld>
+</file>
+
+<file path=ppt/slides/slide24.xml><?xml version="1.0" encoding="utf-8"?>
+<p:sld xmlns:a="http://schemas.openxmlformats.org/drawingml/2006/main" xmlns:r="http://schemas.openxmlformats.org/officeDocument/2006/relationships" xmlns:p="http://schemas.openxmlformats.org/presentationml/2006/main">
+  <p:cSld>
+    <p:spTree>
+      <p:nvGrpSpPr>
+        <p:cNvPr id="1" name=""/>
+        <p:cNvGrpSpPr/>
+        <p:nvPr/>
+      </p:nvGrpSpPr>
+      <p:grpSpPr>
+        <a:xfrm>
+          <a:off x="0" y="0"/>
+          <a:ext cx="0" cy="0"/>
+          <a:chOff x="0" y="0"/>
+          <a:chExt cx="0" cy="0"/>
+        </a:xfrm>
+      </p:grpSpPr>
+      <p:pic>
+        <p:nvPicPr>
+          <p:cNvPr id="4" name="Content Placeholder 3"/>
+          <p:cNvPicPr>
+            <a:picLocks noGrp="1" noChangeAspect="1"/>
+          </p:cNvPicPr>
+          <p:nvPr>
+            <p:ph idx="1"/>
+          </p:nvPr>
+        </p:nvPicPr>
+        <p:blipFill rotWithShape="1">
+          <a:blip r:embed="rId2"/>
+          <a:srcRect l="3417"/>
+          <a:stretch/>
+        </p:blipFill>
+        <p:spPr>
+          <a:xfrm>
+            <a:off x="167425" y="244698"/>
+            <a:ext cx="11863456" cy="6368603"/>
+          </a:xfrm>
+          <a:prstGeom prst="rect">
+            <a:avLst/>
+          </a:prstGeom>
+        </p:spPr>
+      </p:pic>
+    </p:spTree>
+    <p:extLst>
+      <p:ext uri="{BB962C8B-B14F-4D97-AF65-F5344CB8AC3E}">
+        <p14:creationId xmlns:p14="http://schemas.microsoft.com/office/powerpoint/2010/main" val="1378521776"/>
+      </p:ext>
+    </p:extLst>
+  </p:cSld>
+  <p:clrMapOvr>
+    <a:masterClrMapping/>
+  </p:clrMapOvr>
+  <p:timing>
+    <p:tnLst>
+      <p:par>
+        <p:cTn id="1" dur="indefinite" restart="never" nodeType="tmRoot"/>
+      </p:par>
+    </p:tnLst>
+  </p:timing>
+</p:sld>
+</file>
+
+<file path=ppt/slides/slide25.xml><?xml version="1.0" encoding="utf-8"?>
+<p:sld xmlns:a="http://schemas.openxmlformats.org/drawingml/2006/main" xmlns:r="http://schemas.openxmlformats.org/officeDocument/2006/relationships" xmlns:p="http://schemas.openxmlformats.org/presentationml/2006/main">
+  <p:cSld>
+    <p:spTree>
+      <p:nvGrpSpPr>
+        <p:cNvPr id="1" name=""/>
+        <p:cNvGrpSpPr/>
+        <p:nvPr/>
+      </p:nvGrpSpPr>
+      <p:grpSpPr>
+        <a:xfrm>
+          <a:off x="0" y="0"/>
+          <a:ext cx="0" cy="0"/>
+          <a:chOff x="0" y="0"/>
+          <a:chExt cx="0" cy="0"/>
+        </a:xfrm>
+      </p:grpSpPr>
+      <p:pic>
+        <p:nvPicPr>
+          <p:cNvPr id="4" name="Content Placeholder 3"/>
+          <p:cNvPicPr>
+            <a:picLocks noGrp="1" noChangeAspect="1"/>
+          </p:cNvPicPr>
+          <p:nvPr>
+            <p:ph idx="1"/>
+          </p:nvPr>
+        </p:nvPicPr>
+        <p:blipFill>
+          <a:blip r:embed="rId2"/>
+          <a:stretch>
+            <a:fillRect/>
+          </a:stretch>
+        </p:blipFill>
+        <p:spPr>
+          <a:xfrm>
+            <a:off x="2047742" y="705356"/>
+            <a:ext cx="8036416" cy="6152644"/>
+          </a:xfrm>
+          <a:prstGeom prst="rect">
+            <a:avLst/>
+          </a:prstGeom>
+        </p:spPr>
+      </p:pic>
+    </p:spTree>
+    <p:extLst>
+      <p:ext uri="{BB962C8B-B14F-4D97-AF65-F5344CB8AC3E}">
+        <p14:creationId xmlns:p14="http://schemas.microsoft.com/office/powerpoint/2010/main" val="4149385386"/>
+      </p:ext>
+    </p:extLst>
+  </p:cSld>
+  <p:clrMapOvr>
+    <a:masterClrMapping/>
+  </p:clrMapOvr>
+  <p:timing>
+    <p:tnLst>
+      <p:par>
+        <p:cTn id="1" dur="indefinite" restart="never" nodeType="tmRoot"/>
+      </p:par>
+    </p:tnLst>
+  </p:timing>
+</p:sld>
+</file>
+
+<file path=ppt/slides/slide26.xml><?xml version="1.0" encoding="utf-8"?>
+<p:sld xmlns:a="http://schemas.openxmlformats.org/drawingml/2006/main" xmlns:r="http://schemas.openxmlformats.org/officeDocument/2006/relationships" xmlns:p="http://schemas.openxmlformats.org/presentationml/2006/main">
+  <p:cSld>
+    <p:spTree>
+      <p:nvGrpSpPr>
+        <p:cNvPr id="1" name=""/>
+        <p:cNvGrpSpPr/>
+        <p:nvPr/>
+      </p:nvGrpSpPr>
+      <p:grpSpPr>
+        <a:xfrm>
+          <a:off x="0" y="0"/>
+          <a:ext cx="0" cy="0"/>
+          <a:chOff x="0" y="0"/>
+          <a:chExt cx="0" cy="0"/>
+        </a:xfrm>
+      </p:grpSpPr>
+      <p:pic>
+        <p:nvPicPr>
+          <p:cNvPr id="4" name="Content Placeholder 3"/>
+          <p:cNvPicPr>
+            <a:picLocks noGrp="1" noChangeAspect="1"/>
+          </p:cNvPicPr>
+          <p:nvPr>
+            <p:ph idx="1"/>
+          </p:nvPr>
+        </p:nvPicPr>
+        <p:blipFill>
+          <a:blip r:embed="rId2"/>
+          <a:stretch>
+            <a:fillRect/>
+          </a:stretch>
+        </p:blipFill>
+        <p:spPr>
+          <a:xfrm>
+            <a:off x="165972" y="502276"/>
+            <a:ext cx="11860056" cy="6035295"/>
+          </a:xfrm>
+          <a:prstGeom prst="rect">
+            <a:avLst/>
+          </a:prstGeom>
+        </p:spPr>
+      </p:pic>
+    </p:spTree>
+    <p:extLst>
+      <p:ext uri="{BB962C8B-B14F-4D97-AF65-F5344CB8AC3E}">
+        <p14:creationId xmlns:p14="http://schemas.microsoft.com/office/powerpoint/2010/main" val="2690818123"/>
+      </p:ext>
+    </p:extLst>
+  </p:cSld>
+  <p:clrMapOvr>
+    <a:masterClrMapping/>
+  </p:clrMapOvr>
+  <p:timing>
+    <p:tnLst>
+      <p:par>
+        <p:cTn id="1" dur="indefinite" restart="never" nodeType="tmRoot"/>
+      </p:par>
+    </p:tnLst>
+  </p:timing>
+</p:sld>
+</file>
+
+<file path=ppt/slides/slide27.xml><?xml version="1.0" encoding="utf-8"?>
+<p:sld xmlns:a="http://schemas.openxmlformats.org/drawingml/2006/main" xmlns:r="http://schemas.openxmlformats.org/officeDocument/2006/relationships" xmlns:p="http://schemas.openxmlformats.org/presentationml/2006/main">
+  <p:cSld>
+    <p:spTree>
+      <p:nvGrpSpPr>
+        <p:cNvPr id="1" name=""/>
+        <p:cNvGrpSpPr/>
+        <p:nvPr/>
+      </p:nvGrpSpPr>
+      <p:grpSpPr>
+        <a:xfrm>
+          <a:off x="0" y="0"/>
+          <a:ext cx="0" cy="0"/>
+          <a:chOff x="0" y="0"/>
+          <a:chExt cx="0" cy="0"/>
+        </a:xfrm>
+      </p:grpSpPr>
+      <p:pic>
+        <p:nvPicPr>
+          <p:cNvPr id="6" name="Picture 5"/>
+          <p:cNvPicPr>
+            <a:picLocks noChangeAspect="1"/>
+          </p:cNvPicPr>
+          <p:nvPr/>
+        </p:nvPicPr>
+        <p:blipFill>
+          <a:blip r:embed="rId2"/>
+          <a:stretch>
+            <a:fillRect/>
+          </a:stretch>
+        </p:blipFill>
+        <p:spPr>
+          <a:xfrm>
+            <a:off x="1449669" y="837128"/>
+            <a:ext cx="9182434" cy="5328078"/>
+          </a:xfrm>
+          <a:prstGeom prst="rect">
+            <a:avLst/>
+          </a:prstGeom>
+        </p:spPr>
+      </p:pic>
+    </p:spTree>
+    <p:extLst>
+      <p:ext uri="{BB962C8B-B14F-4D97-AF65-F5344CB8AC3E}">
+        <p14:creationId xmlns:p14="http://schemas.microsoft.com/office/powerpoint/2010/main" val="270439428"/>
+      </p:ext>
+    </p:extLst>
+  </p:cSld>
+  <p:clrMapOvr>
+    <a:masterClrMapping/>
+  </p:clrMapOvr>
+  <p:timing>
+    <p:tnLst>
+      <p:par>
+        <p:cTn id="1" dur="indefinite" restart="never" nodeType="tmRoot"/>
+      </p:par>
+    </p:tnLst>
+  </p:timing>
+</p:sld>
+</file>
+
+<file path=ppt/slides/slide28.xml><?xml version="1.0" encoding="utf-8"?>
+<p:sld xmlns:a="http://schemas.openxmlformats.org/drawingml/2006/main" xmlns:r="http://schemas.openxmlformats.org/officeDocument/2006/relationships" xmlns:p="http://schemas.openxmlformats.org/presentationml/2006/main">
+  <p:cSld>
+    <p:spTree>
+      <p:nvGrpSpPr>
+        <p:cNvPr id="1" name=""/>
+        <p:cNvGrpSpPr/>
+        <p:nvPr/>
+      </p:nvGrpSpPr>
+      <p:grpSpPr>
+        <a:xfrm>
+          <a:off x="0" y="0"/>
+          <a:ext cx="0" cy="0"/>
+          <a:chOff x="0" y="0"/>
+          <a:chExt cx="0" cy="0"/>
+        </a:xfrm>
+      </p:grpSpPr>
+      <p:sp>
+        <p:nvSpPr>
+          <p:cNvPr id="5" name="Content Placeholder 4"/>
+          <p:cNvSpPr>
+            <a:spLocks noGrp="1"/>
+          </p:cNvSpPr>
+          <p:nvPr>
+            <p:ph idx="1"/>
+          </p:nvPr>
+        </p:nvSpPr>
+        <p:spPr/>
+        <p:txBody>
+          <a:bodyPr/>
+          <a:lstStyle/>
+          <a:p>
+            <a:endParaRPr lang="en-US"/>
+          </a:p>
+        </p:txBody>
+      </p:sp>
+      <p:pic>
+        <p:nvPicPr>
+          <p:cNvPr id="6" name="Picture 5"/>
+          <p:cNvPicPr>
+            <a:picLocks noChangeAspect="1"/>
+          </p:cNvPicPr>
+          <p:nvPr/>
+        </p:nvPicPr>
+        <p:blipFill rotWithShape="1">
+          <a:blip r:embed="rId2"/>
+          <a:srcRect l="2248"/>
+          <a:stretch/>
+        </p:blipFill>
+        <p:spPr>
+          <a:xfrm>
+            <a:off x="103031" y="231820"/>
+            <a:ext cx="11964137" cy="6381482"/>
+          </a:xfrm>
+          <a:prstGeom prst="rect">
+            <a:avLst/>
+          </a:prstGeom>
+        </p:spPr>
+      </p:pic>
+    </p:spTree>
+    <p:extLst>
+      <p:ext uri="{BB962C8B-B14F-4D97-AF65-F5344CB8AC3E}">
+        <p14:creationId xmlns:p14="http://schemas.microsoft.com/office/powerpoint/2010/main" val="3813495259"/>
+      </p:ext>
+    </p:extLst>
+  </p:cSld>
+  <p:clrMapOvr>
+    <a:masterClrMapping/>
+  </p:clrMapOvr>
+  <p:timing>
+    <p:tnLst>
+      <p:par>
+        <p:cTn id="1" dur="indefinite" restart="never" nodeType="tmRoot"/>
+      </p:par>
+    </p:tnLst>
+  </p:timing>
+</p:sld>
+</file>
+
+<file path=ppt/slides/slide29.xml><?xml version="1.0" encoding="utf-8"?>
+<p:sld xmlns:a="http://schemas.openxmlformats.org/drawingml/2006/main" xmlns:r="http://schemas.openxmlformats.org/officeDocument/2006/relationships" xmlns:p="http://schemas.openxmlformats.org/presentationml/2006/main">
+  <p:cSld>
+    <p:spTree>
+      <p:nvGrpSpPr>
+        <p:cNvPr id="1" name=""/>
+        <p:cNvGrpSpPr/>
+        <p:nvPr/>
+      </p:nvGrpSpPr>
+      <p:grpSpPr>
+        <a:xfrm>
+          <a:off x="0" y="0"/>
+          <a:ext cx="0" cy="0"/>
+          <a:chOff x="0" y="0"/>
+          <a:chExt cx="0" cy="0"/>
+        </a:xfrm>
+      </p:grpSpPr>
+      <p:pic>
+        <p:nvPicPr>
+          <p:cNvPr id="4" name="Content Placeholder 3"/>
+          <p:cNvPicPr>
+            <a:picLocks noGrp="1" noChangeAspect="1"/>
+          </p:cNvPicPr>
+          <p:nvPr>
+            <p:ph idx="1"/>
+          </p:nvPr>
+        </p:nvPicPr>
+        <p:blipFill rotWithShape="1">
+          <a:blip r:embed="rId2"/>
+          <a:srcRect l="158" t="9382" r="-158" b="33406"/>
+          <a:stretch/>
+        </p:blipFill>
+        <p:spPr>
+          <a:xfrm>
+            <a:off x="1892791" y="1184857"/>
+            <a:ext cx="8179656" cy="4005330"/>
+          </a:xfrm>
+          <a:prstGeom prst="rect">
+            <a:avLst/>
+          </a:prstGeom>
+        </p:spPr>
+      </p:pic>
+    </p:spTree>
+    <p:extLst>
+      <p:ext uri="{BB962C8B-B14F-4D97-AF65-F5344CB8AC3E}">
+        <p14:creationId xmlns:p14="http://schemas.microsoft.com/office/powerpoint/2010/main" val="4071549234"/>
+      </p:ext>
+    </p:extLst>
+  </p:cSld>
+  <p:clrMapOvr>
+    <a:masterClrMapping/>
+  </p:clrMapOvr>
+  <p:timing>
+    <p:tnLst>
+      <p:par>
+        <p:cTn id="1" dur="indefinite" restart="never" nodeType="tmRoot"/>
+      </p:par>
+    </p:tnLst>
+  </p:timing>
+</p:sld>
+</file>
+
+<file path=ppt/slides/slide3.xml><?xml version="1.0" encoding="utf-8"?>
+<p:sld xmlns:a="http://schemas.openxmlformats.org/drawingml/2006/main" xmlns:r="http://schemas.openxmlformats.org/officeDocument/2006/relationships" xmlns:p="http://schemas.openxmlformats.org/presentationml/2006/main">
+  <p:cSld>
+    <p:bg>
+      <p:bgPr>
+        <a:gradFill>
+          <a:gsLst>
+            <a:gs pos="69000">
+              <a:srgbClr val="0A87D4"/>
+            </a:gs>
+            <a:gs pos="0">
+              <a:srgbClr val="0C67FF"/>
+            </a:gs>
+            <a:gs pos="100000">
+              <a:srgbClr val="186FA6"/>
+            </a:gs>
+          </a:gsLst>
+          <a:lin ang="5400000" scaled="1"/>
+        </a:gradFill>
+        <a:effectLst/>
+      </p:bgPr>
+    </p:bg>
+    <p:spTree>
+      <p:nvGrpSpPr>
+        <p:cNvPr id="1" name=""/>
+        <p:cNvGrpSpPr/>
+        <p:nvPr/>
+      </p:nvGrpSpPr>
+      <p:grpSpPr>
+        <a:xfrm>
+          <a:off x="0" y="0"/>
+          <a:ext cx="0" cy="0"/>
+          <a:chOff x="0" y="0"/>
+          <a:chExt cx="0" cy="0"/>
+        </a:xfrm>
+      </p:grpSpPr>
+      <p:pic>
+        <p:nvPicPr>
+          <p:cNvPr id="2" name="Picture 1"/>
+          <p:cNvPicPr>
+            <a:picLocks noChangeAspect="1"/>
+          </p:cNvPicPr>
+          <p:nvPr/>
+        </p:nvPicPr>
+        <p:blipFill rotWithShape="1">
+          <a:blip r:embed="rId2"/>
+          <a:srcRect b="3313"/>
+          <a:stretch/>
+        </p:blipFill>
+        <p:spPr>
+          <a:xfrm>
+            <a:off x="-1" y="1427239"/>
+            <a:ext cx="8126569" cy="4186161"/>
+          </a:xfrm>
+          <a:prstGeom prst="rect">
+            <a:avLst/>
+          </a:prstGeom>
+        </p:spPr>
+      </p:pic>
+      <p:sp>
+        <p:nvSpPr>
+          <p:cNvPr id="4" name="Rectangle 3"/>
+          <p:cNvSpPr/>
+          <p:nvPr/>
+        </p:nvSpPr>
+        <p:spPr>
+          <a:xfrm>
+            <a:off x="7675129" y="1427239"/>
+            <a:ext cx="4470400" cy="4179359"/>
+          </a:xfrm>
+          <a:prstGeom prst="rect">
+            <a:avLst/>
+          </a:prstGeom>
+          <a:solidFill>
+            <a:srgbClr val="F1F1F1"/>
+          </a:solidFill>
+          <a:ln>
+            <a:noFill/>
+          </a:ln>
+        </p:spPr>
+        <p:style>
+          <a:lnRef idx="2">
+            <a:schemeClr val="accent1">
+              <a:shade val="50000"/>
+            </a:schemeClr>
+          </a:lnRef>
+          <a:fillRef idx="1">
+            <a:schemeClr val="accent1"/>
+          </a:fillRef>
+          <a:effectRef idx="0">
+            <a:schemeClr val="accent1"/>
+          </a:effectRef>
+          <a:fontRef idx="minor">
+            <a:schemeClr val="lt1"/>
+          </a:fontRef>
+        </p:style>
+        <p:txBody>
+          <a:bodyPr rtlCol="0" anchor="ctr"/>
+          <a:lstStyle/>
+          <a:p>
+            <a:pPr algn="ctr"/>
+            <a:endParaRPr lang="en-US"/>
+          </a:p>
+        </p:txBody>
+      </p:sp>
+      <p:pic>
+        <p:nvPicPr>
+          <p:cNvPr id="3" name="Picture 2"/>
+          <p:cNvPicPr>
+            <a:picLocks noChangeAspect="1"/>
+          </p:cNvPicPr>
+          <p:nvPr/>
+        </p:nvPicPr>
+        <p:blipFill rotWithShape="1">
+          <a:blip r:embed="rId3"/>
+          <a:srcRect l="38761" r="2742" b="1687"/>
+          <a:stretch/>
+        </p:blipFill>
+        <p:spPr>
+          <a:xfrm>
+            <a:off x="7688580" y="1619487"/>
+            <a:ext cx="4393449" cy="3977586"/>
+          </a:xfrm>
+          <a:prstGeom prst="rect">
+            <a:avLst/>
+          </a:prstGeom>
+        </p:spPr>
+      </p:pic>
+      <p:sp>
+        <p:nvSpPr>
+          <p:cNvPr id="5" name="TextBox 4"/>
+          <p:cNvSpPr txBox="1"/>
+          <p:nvPr/>
+        </p:nvSpPr>
+        <p:spPr>
+          <a:xfrm>
+            <a:off x="3718819" y="149591"/>
+            <a:ext cx="5331655" cy="1015663"/>
+          </a:xfrm>
+          <a:prstGeom prst="rect">
+            <a:avLst/>
+          </a:prstGeom>
+          <a:noFill/>
+        </p:spPr>
+        <p:txBody>
+          <a:bodyPr wrap="square" rtlCol="0">
+            <a:spAutoFit/>
+          </a:bodyPr>
+          <a:lstStyle/>
+          <a:p>
+            <a:r>
+              <a:rPr lang="en-US" sz="6000" dirty="0" smtClean="0">
+                <a:solidFill>
+                  <a:schemeClr val="bg1"/>
+                </a:solidFill>
+                <a:latin typeface="Britannic Bold" panose="020B0903060703020204" pitchFamily="34" charset="0"/>
+              </a:rPr>
+              <a:t>Ticket Booking </a:t>
+            </a:r>
+            <a:endParaRPr lang="en-US" sz="6000" dirty="0">
+              <a:solidFill>
+                <a:schemeClr val="bg1"/>
+              </a:solidFill>
+              <a:latin typeface="Britannic Bold" panose="020B0903060703020204" pitchFamily="34" charset="0"/>
+            </a:endParaRPr>
+          </a:p>
+        </p:txBody>
+      </p:sp>
     </p:spTree>
     <p:extLst>
       <p:ext uri="{BB962C8B-B14F-4D97-AF65-F5344CB8AC3E}">
@@ -3846,6 +5604,274 @@
   <p:clrMapOvr>
     <a:masterClrMapping/>
   </p:clrMapOvr>
+  <p:timing>
+    <p:tnLst>
+      <p:par>
+        <p:cTn id="1" dur="indefinite" restart="never" nodeType="tmRoot"/>
+      </p:par>
+    </p:tnLst>
+  </p:timing>
+</p:sld>
+</file>
+
+<file path=ppt/slides/slide30.xml><?xml version="1.0" encoding="utf-8"?>
+<p:sld xmlns:a="http://schemas.openxmlformats.org/drawingml/2006/main" xmlns:r="http://schemas.openxmlformats.org/officeDocument/2006/relationships" xmlns:p="http://schemas.openxmlformats.org/presentationml/2006/main">
+  <p:cSld>
+    <p:spTree>
+      <p:nvGrpSpPr>
+        <p:cNvPr id="1" name=""/>
+        <p:cNvGrpSpPr/>
+        <p:nvPr/>
+      </p:nvGrpSpPr>
+      <p:grpSpPr>
+        <a:xfrm>
+          <a:off x="0" y="0"/>
+          <a:ext cx="0" cy="0"/>
+          <a:chOff x="0" y="0"/>
+          <a:chExt cx="0" cy="0"/>
+        </a:xfrm>
+      </p:grpSpPr>
+      <p:pic>
+        <p:nvPicPr>
+          <p:cNvPr id="4" name="Content Placeholder 3"/>
+          <p:cNvPicPr>
+            <a:picLocks noGrp="1" noChangeAspect="1"/>
+          </p:cNvPicPr>
+          <p:nvPr>
+            <p:ph idx="1"/>
+          </p:nvPr>
+        </p:nvPicPr>
+        <p:blipFill>
+          <a:blip r:embed="rId2"/>
+          <a:stretch>
+            <a:fillRect/>
+          </a:stretch>
+        </p:blipFill>
+        <p:spPr>
+          <a:xfrm>
+            <a:off x="1455018" y="1300766"/>
+            <a:ext cx="9048454" cy="6232269"/>
+          </a:xfrm>
+          <a:prstGeom prst="rect">
+            <a:avLst/>
+          </a:prstGeom>
+        </p:spPr>
+      </p:pic>
+    </p:spTree>
+    <p:extLst>
+      <p:ext uri="{BB962C8B-B14F-4D97-AF65-F5344CB8AC3E}">
+        <p14:creationId xmlns:p14="http://schemas.microsoft.com/office/powerpoint/2010/main" val="3421748143"/>
+      </p:ext>
+    </p:extLst>
+  </p:cSld>
+  <p:clrMapOvr>
+    <a:masterClrMapping/>
+  </p:clrMapOvr>
+  <p:timing>
+    <p:tnLst>
+      <p:par>
+        <p:cTn id="1" dur="indefinite" restart="never" nodeType="tmRoot"/>
+      </p:par>
+    </p:tnLst>
+  </p:timing>
+</p:sld>
+</file>
+
+<file path=ppt/slides/slide31.xml><?xml version="1.0" encoding="utf-8"?>
+<p:sld xmlns:a="http://schemas.openxmlformats.org/drawingml/2006/main" xmlns:r="http://schemas.openxmlformats.org/officeDocument/2006/relationships" xmlns:p="http://schemas.openxmlformats.org/presentationml/2006/main">
+  <p:cSld>
+    <p:spTree>
+      <p:nvGrpSpPr>
+        <p:cNvPr id="1" name=""/>
+        <p:cNvGrpSpPr/>
+        <p:nvPr/>
+      </p:nvGrpSpPr>
+      <p:grpSpPr>
+        <a:xfrm>
+          <a:off x="0" y="0"/>
+          <a:ext cx="0" cy="0"/>
+          <a:chOff x="0" y="0"/>
+          <a:chExt cx="0" cy="0"/>
+        </a:xfrm>
+      </p:grpSpPr>
+      <p:pic>
+        <p:nvPicPr>
+          <p:cNvPr id="4" name="Content Placeholder 3"/>
+          <p:cNvPicPr>
+            <a:picLocks noGrp="1" noChangeAspect="1"/>
+          </p:cNvPicPr>
+          <p:nvPr>
+            <p:ph idx="1"/>
+          </p:nvPr>
+        </p:nvPicPr>
+        <p:blipFill>
+          <a:blip r:embed="rId2"/>
+          <a:stretch>
+            <a:fillRect/>
+          </a:stretch>
+        </p:blipFill>
+        <p:spPr>
+          <a:xfrm>
+            <a:off x="-45832" y="476520"/>
+            <a:ext cx="12237832" cy="6059510"/>
+          </a:xfrm>
+          <a:prstGeom prst="rect">
+            <a:avLst/>
+          </a:prstGeom>
+        </p:spPr>
+      </p:pic>
+    </p:spTree>
+    <p:extLst>
+      <p:ext uri="{BB962C8B-B14F-4D97-AF65-F5344CB8AC3E}">
+        <p14:creationId xmlns:p14="http://schemas.microsoft.com/office/powerpoint/2010/main" val="985151419"/>
+      </p:ext>
+    </p:extLst>
+  </p:cSld>
+  <p:clrMapOvr>
+    <a:masterClrMapping/>
+  </p:clrMapOvr>
+  <p:timing>
+    <p:tnLst>
+      <p:par>
+        <p:cTn id="1" dur="indefinite" restart="never" nodeType="tmRoot"/>
+      </p:par>
+    </p:tnLst>
+  </p:timing>
+</p:sld>
+</file>
+
+<file path=ppt/slides/slide32.xml><?xml version="1.0" encoding="utf-8"?>
+<p:sld xmlns:a="http://schemas.openxmlformats.org/drawingml/2006/main" xmlns:r="http://schemas.openxmlformats.org/officeDocument/2006/relationships" xmlns:p="http://schemas.openxmlformats.org/presentationml/2006/main">
+  <p:cSld>
+    <p:spTree>
+      <p:nvGrpSpPr>
+        <p:cNvPr id="1" name=""/>
+        <p:cNvGrpSpPr/>
+        <p:nvPr/>
+      </p:nvGrpSpPr>
+      <p:grpSpPr>
+        <a:xfrm>
+          <a:off x="0" y="0"/>
+          <a:ext cx="0" cy="0"/>
+          <a:chOff x="0" y="0"/>
+          <a:chExt cx="0" cy="0"/>
+        </a:xfrm>
+      </p:grpSpPr>
+      <p:pic>
+        <p:nvPicPr>
+          <p:cNvPr id="5" name="Picture 4"/>
+          <p:cNvPicPr>
+            <a:picLocks noChangeAspect="1"/>
+          </p:cNvPicPr>
+          <p:nvPr/>
+        </p:nvPicPr>
+        <p:blipFill>
+          <a:blip r:embed="rId2"/>
+          <a:stretch>
+            <a:fillRect/>
+          </a:stretch>
+        </p:blipFill>
+        <p:spPr>
+          <a:xfrm>
+            <a:off x="513521" y="739004"/>
+            <a:ext cx="11239205" cy="5301188"/>
+          </a:xfrm>
+          <a:prstGeom prst="rect">
+            <a:avLst/>
+          </a:prstGeom>
+        </p:spPr>
+      </p:pic>
+    </p:spTree>
+    <p:extLst>
+      <p:ext uri="{BB962C8B-B14F-4D97-AF65-F5344CB8AC3E}">
+        <p14:creationId xmlns:p14="http://schemas.microsoft.com/office/powerpoint/2010/main" val="993540485"/>
+      </p:ext>
+    </p:extLst>
+  </p:cSld>
+  <p:clrMapOvr>
+    <a:masterClrMapping/>
+  </p:clrMapOvr>
+  <p:timing>
+    <p:tnLst>
+      <p:par>
+        <p:cTn id="1" dur="indefinite" restart="never" nodeType="tmRoot"/>
+      </p:par>
+    </p:tnLst>
+  </p:timing>
+</p:sld>
+</file>
+
+<file path=ppt/slides/slide33.xml><?xml version="1.0" encoding="utf-8"?>
+<p:sld xmlns:a="http://schemas.openxmlformats.org/drawingml/2006/main" xmlns:r="http://schemas.openxmlformats.org/officeDocument/2006/relationships" xmlns:p="http://schemas.openxmlformats.org/presentationml/2006/main">
+  <p:cSld>
+    <p:bg>
+      <p:bgPr>
+        <a:solidFill>
+          <a:schemeClr val="bg1"/>
+        </a:solidFill>
+        <a:effectLst/>
+      </p:bgPr>
+    </p:bg>
+    <p:spTree>
+      <p:nvGrpSpPr>
+        <p:cNvPr id="1" name=""/>
+        <p:cNvGrpSpPr/>
+        <p:nvPr/>
+      </p:nvGrpSpPr>
+      <p:grpSpPr>
+        <a:xfrm>
+          <a:off x="0" y="0"/>
+          <a:ext cx="0" cy="0"/>
+          <a:chOff x="0" y="0"/>
+          <a:chExt cx="0" cy="0"/>
+        </a:xfrm>
+      </p:grpSpPr>
+      <p:pic>
+        <p:nvPicPr>
+          <p:cNvPr id="2" name="Picture 1"/>
+          <p:cNvPicPr>
+            <a:picLocks noChangeAspect="1"/>
+          </p:cNvPicPr>
+          <p:nvPr/>
+        </p:nvPicPr>
+        <p:blipFill rotWithShape="1">
+          <a:blip r:embed="rId2" cstate="print">
+            <a:extLst>
+              <a:ext uri="{28A0092B-C50C-407E-A947-70E740481C1C}">
+                <a14:useLocalDpi xmlns:a14="http://schemas.microsoft.com/office/drawing/2010/main" val="0"/>
+              </a:ext>
+            </a:extLst>
+          </a:blip>
+          <a:srcRect l="2308" t="5821" r="15909" b="5728"/>
+          <a:stretch/>
+        </p:blipFill>
+        <p:spPr>
+          <a:xfrm>
+            <a:off x="1012874" y="0"/>
+            <a:ext cx="10381957" cy="6858000"/>
+          </a:xfrm>
+          <a:prstGeom prst="rect">
+            <a:avLst/>
+          </a:prstGeom>
+        </p:spPr>
+      </p:pic>
+    </p:spTree>
+    <p:extLst>
+      <p:ext uri="{BB962C8B-B14F-4D97-AF65-F5344CB8AC3E}">
+        <p14:creationId xmlns:p14="http://schemas.microsoft.com/office/powerpoint/2010/main" val="1315961741"/>
+      </p:ext>
+    </p:extLst>
+  </p:cSld>
+  <p:clrMapOvr>
+    <a:masterClrMapping/>
+  </p:clrMapOvr>
+  <p:timing>
+    <p:tnLst>
+      <p:par>
+        <p:cTn id="1" dur="indefinite" restart="never" nodeType="tmRoot"/>
+      </p:par>
+    </p:tnLst>
+  </p:timing>
 </p:sld>
 </file>
 
@@ -3866,16 +5892,743 @@
           <a:chExt cx="0" cy="0"/>
         </a:xfrm>
       </p:grpSpPr>
+      <p:sp>
+        <p:nvSpPr>
+          <p:cNvPr id="2" name="TextBox 1"/>
+          <p:cNvSpPr txBox="1"/>
+          <p:nvPr/>
+        </p:nvSpPr>
+        <p:spPr>
+          <a:xfrm>
+            <a:off x="309093" y="605307"/>
+            <a:ext cx="10419008" cy="6740307"/>
+          </a:xfrm>
+          <a:prstGeom prst="rect">
+            <a:avLst/>
+          </a:prstGeom>
+          <a:noFill/>
+        </p:spPr>
+        <p:txBody>
+          <a:bodyPr wrap="square" rtlCol="0">
+            <a:spAutoFit/>
+          </a:bodyPr>
+          <a:lstStyle/>
+          <a:p>
+            <a:pPr algn="ctr"/>
+            <a:r>
+              <a:rPr lang="en-US" u="sng" dirty="0" smtClean="0"/>
+              <a:t>Entity And Attributes</a:t>
+            </a:r>
+          </a:p>
+          <a:p>
+            <a:endParaRPr lang="en-US" dirty="0"/>
+          </a:p>
+          <a:p>
+            <a:endParaRPr lang="en-US" dirty="0" smtClean="0"/>
+          </a:p>
+          <a:p>
+            <a:pPr marL="342900" indent="-342900">
+              <a:buAutoNum type="arabicPeriod"/>
+            </a:pPr>
+            <a:r>
+              <a:rPr lang="en-US" dirty="0" smtClean="0"/>
+              <a:t>Airport(Airport code , Name, City , Country )</a:t>
+            </a:r>
+          </a:p>
+          <a:p>
+            <a:pPr marL="342900" indent="-342900">
+              <a:buAutoNum type="arabicPeriod"/>
+            </a:pPr>
+            <a:r>
+              <a:rPr lang="en-US" dirty="0" smtClean="0"/>
+              <a:t>Route(Route ID, Airport </a:t>
+            </a:r>
+            <a:r>
+              <a:rPr lang="en-US" dirty="0" err="1" smtClean="0"/>
+              <a:t>code_src</a:t>
+            </a:r>
+            <a:r>
+              <a:rPr lang="en-US" dirty="0" smtClean="0"/>
+              <a:t> , Airport </a:t>
+            </a:r>
+            <a:r>
+              <a:rPr lang="en-US" dirty="0" err="1" smtClean="0"/>
+              <a:t>code_dst</a:t>
+            </a:r>
+            <a:r>
+              <a:rPr lang="en-US" dirty="0" smtClean="0"/>
+              <a:t>)</a:t>
+            </a:r>
+          </a:p>
+          <a:p>
+            <a:pPr marL="342900" indent="-342900">
+              <a:buAutoNum type="arabicPeriod"/>
+            </a:pPr>
+            <a:r>
+              <a:rPr lang="en-US" dirty="0" smtClean="0"/>
+              <a:t>Price(Price ID, Flight Id, First Class , Business Class , Economic Class)</a:t>
+            </a:r>
+          </a:p>
+          <a:p>
+            <a:pPr marL="342900" indent="-342900">
+              <a:buAutoNum type="arabicPeriod"/>
+            </a:pPr>
+            <a:r>
+              <a:rPr lang="en-US" dirty="0" smtClean="0"/>
+              <a:t>Flight Schedule(Flight ID , Route ID , Plane ID , Arrival Time , Departure  Time , </a:t>
+            </a:r>
+            <a:r>
+              <a:rPr lang="en-US" dirty="0" err="1" smtClean="0"/>
+              <a:t>Status,Type</a:t>
+            </a:r>
+            <a:r>
+              <a:rPr lang="en-US" dirty="0" smtClean="0"/>
+              <a:t> , Arrival Date , Departure Date )</a:t>
+            </a:r>
+          </a:p>
+          <a:p>
+            <a:pPr marL="342900" indent="-342900">
+              <a:buAutoNum type="arabicPeriod"/>
+            </a:pPr>
+            <a:r>
+              <a:rPr lang="en-US" dirty="0" smtClean="0"/>
+              <a:t>Boarding(Boarding </a:t>
+            </a:r>
+            <a:r>
+              <a:rPr lang="en-US" dirty="0" err="1" smtClean="0"/>
+              <a:t>pass,Passenger</a:t>
+            </a:r>
+            <a:r>
+              <a:rPr lang="en-US" dirty="0" smtClean="0"/>
+              <a:t> ID, Flight </a:t>
+            </a:r>
+            <a:r>
+              <a:rPr lang="en-US" dirty="0" err="1" smtClean="0"/>
+              <a:t>ID,Booking</a:t>
+            </a:r>
+            <a:r>
+              <a:rPr lang="en-US" dirty="0" smtClean="0"/>
+              <a:t> ID, Baggage  weight) </a:t>
+            </a:r>
+          </a:p>
+          <a:p>
+            <a:pPr marL="342900" indent="-342900">
+              <a:buAutoNum type="arabicPeriod"/>
+            </a:pPr>
+            <a:r>
+              <a:rPr lang="en-US" dirty="0" smtClean="0"/>
+              <a:t>Booking(Booking ID, Flight ID, Passenger ID ,Class, seat no.,  Date of Booking, Payment Status, Amount Payable )</a:t>
+            </a:r>
+          </a:p>
+          <a:p>
+            <a:pPr marL="342900" indent="-342900">
+              <a:buAutoNum type="arabicPeriod"/>
+            </a:pPr>
+            <a:r>
+              <a:rPr lang="en-US" dirty="0" smtClean="0"/>
+              <a:t>Passenger (Passenger ID , First Name , Last Name ,phone Number, Date of </a:t>
+            </a:r>
+            <a:r>
+              <a:rPr lang="en-US" dirty="0" err="1" smtClean="0"/>
+              <a:t>Birth,Gender</a:t>
+            </a:r>
+            <a:r>
+              <a:rPr lang="en-US" dirty="0" smtClean="0"/>
+              <a:t>, passport </a:t>
+            </a:r>
+            <a:r>
+              <a:rPr lang="en-US" dirty="0" err="1" smtClean="0"/>
+              <a:t>No.,Email</a:t>
+            </a:r>
+            <a:r>
+              <a:rPr lang="en-US" dirty="0" smtClean="0"/>
+              <a:t> ID, </a:t>
+            </a:r>
+            <a:r>
+              <a:rPr lang="en-US" dirty="0" err="1" smtClean="0"/>
+              <a:t>Address,Nationality</a:t>
+            </a:r>
+            <a:r>
+              <a:rPr lang="en-US" dirty="0" smtClean="0"/>
+              <a:t>)</a:t>
+            </a:r>
+          </a:p>
+          <a:p>
+            <a:pPr marL="342900" indent="-342900">
+              <a:buAutoNum type="arabicPeriod"/>
+            </a:pPr>
+            <a:r>
+              <a:rPr lang="en-US" dirty="0" err="1" smtClean="0"/>
+              <a:t>Maintainance</a:t>
+            </a:r>
+            <a:r>
+              <a:rPr lang="en-US" dirty="0" smtClean="0"/>
+              <a:t>(Complain </a:t>
+            </a:r>
+            <a:r>
+              <a:rPr lang="en-US" dirty="0" err="1" smtClean="0"/>
+              <a:t>ID,plane</a:t>
+            </a:r>
+            <a:r>
+              <a:rPr lang="en-US" dirty="0" smtClean="0"/>
+              <a:t> ID, Employee </a:t>
+            </a:r>
+            <a:r>
+              <a:rPr lang="en-US" dirty="0" err="1" smtClean="0"/>
+              <a:t>ID,Parts</a:t>
+            </a:r>
+            <a:r>
+              <a:rPr lang="en-US" dirty="0" smtClean="0"/>
+              <a:t> to be </a:t>
+            </a:r>
+            <a:r>
+              <a:rPr lang="en-US" dirty="0" err="1" smtClean="0"/>
+              <a:t>replaced,Out</a:t>
+            </a:r>
+            <a:r>
+              <a:rPr lang="en-US" dirty="0" smtClean="0"/>
+              <a:t> of service date, Back to service date)</a:t>
+            </a:r>
+          </a:p>
+          <a:p>
+            <a:pPr marL="342900" indent="-342900">
+              <a:buAutoNum type="arabicPeriod"/>
+            </a:pPr>
+            <a:r>
+              <a:rPr lang="en-US" dirty="0" smtClean="0"/>
+              <a:t>Plane info(Plane </a:t>
+            </a:r>
+            <a:r>
+              <a:rPr lang="en-US" dirty="0" err="1" smtClean="0"/>
+              <a:t>ID,price,length</a:t>
+            </a:r>
+            <a:r>
+              <a:rPr lang="en-US" dirty="0" smtClean="0"/>
+              <a:t>, </a:t>
+            </a:r>
+            <a:r>
+              <a:rPr lang="en-US" dirty="0" err="1" smtClean="0"/>
+              <a:t>height,wingspan,cabin</a:t>
+            </a:r>
+            <a:r>
+              <a:rPr lang="en-US" dirty="0" smtClean="0"/>
+              <a:t> </a:t>
+            </a:r>
+            <a:r>
+              <a:rPr lang="en-US" dirty="0" err="1" smtClean="0"/>
+              <a:t>width,cruising</a:t>
+            </a:r>
+            <a:r>
+              <a:rPr lang="en-US" dirty="0" smtClean="0"/>
+              <a:t> </a:t>
+            </a:r>
+            <a:r>
+              <a:rPr lang="en-US" dirty="0" err="1" smtClean="0"/>
+              <a:t>speed,start</a:t>
+            </a:r>
+            <a:r>
+              <a:rPr lang="en-US" dirty="0" smtClean="0"/>
+              <a:t> of </a:t>
+            </a:r>
+            <a:r>
+              <a:rPr lang="en-US" dirty="0" err="1" smtClean="0"/>
+              <a:t>service,End</a:t>
+            </a:r>
+            <a:r>
+              <a:rPr lang="en-US" dirty="0" smtClean="0"/>
+              <a:t> of </a:t>
+            </a:r>
+            <a:r>
+              <a:rPr lang="en-US" dirty="0" err="1" smtClean="0"/>
+              <a:t>service,Total</a:t>
+            </a:r>
+            <a:r>
+              <a:rPr lang="en-US" dirty="0" smtClean="0"/>
+              <a:t> Number of Flights)</a:t>
+            </a:r>
+          </a:p>
+          <a:p>
+            <a:pPr marL="342900" indent="-342900">
+              <a:buAutoNum type="arabicPeriod"/>
+            </a:pPr>
+            <a:r>
+              <a:rPr lang="en-US" dirty="0" smtClean="0"/>
+              <a:t>Aircraft(Plane ID, Max take off weight, Max landing  weight, first class  </a:t>
+            </a:r>
+            <a:r>
+              <a:rPr lang="en-US" dirty="0" err="1" smtClean="0"/>
+              <a:t>capacity,Business</a:t>
+            </a:r>
+            <a:r>
+              <a:rPr lang="en-US" dirty="0" smtClean="0"/>
+              <a:t> class </a:t>
+            </a:r>
+            <a:r>
+              <a:rPr lang="en-US" dirty="0" err="1" smtClean="0"/>
+              <a:t>capacity,Economy</a:t>
+            </a:r>
+            <a:r>
+              <a:rPr lang="en-US" dirty="0" smtClean="0"/>
+              <a:t> class  capacity)</a:t>
+            </a:r>
+          </a:p>
+          <a:p>
+            <a:pPr marL="342900" indent="-342900">
+              <a:buAutoNum type="arabicPeriod"/>
+            </a:pPr>
+            <a:r>
+              <a:rPr lang="en-US" dirty="0" smtClean="0"/>
+              <a:t>Parts(parts id, </a:t>
+            </a:r>
+            <a:r>
+              <a:rPr lang="en-US" dirty="0" err="1" smtClean="0"/>
+              <a:t>price,Description</a:t>
+            </a:r>
+            <a:r>
+              <a:rPr lang="en-US" dirty="0" smtClean="0"/>
+              <a:t>)</a:t>
+            </a:r>
+          </a:p>
+          <a:p>
+            <a:pPr marL="342900" indent="-342900">
+              <a:buAutoNum type="arabicPeriod"/>
+            </a:pPr>
+            <a:r>
+              <a:rPr lang="en-US" dirty="0" smtClean="0"/>
+              <a:t>Fuel(Refuel ID, Plane </a:t>
+            </a:r>
+            <a:r>
+              <a:rPr lang="en-US" dirty="0" err="1" smtClean="0"/>
+              <a:t>id,flight</a:t>
+            </a:r>
+            <a:r>
+              <a:rPr lang="en-US" dirty="0" smtClean="0"/>
+              <a:t> </a:t>
+            </a:r>
+            <a:r>
+              <a:rPr lang="en-US" dirty="0" err="1" smtClean="0"/>
+              <a:t>id,employee</a:t>
+            </a:r>
+            <a:r>
+              <a:rPr lang="en-US" dirty="0" smtClean="0"/>
+              <a:t> </a:t>
+            </a:r>
+            <a:r>
+              <a:rPr lang="en-US" dirty="0" err="1" smtClean="0"/>
+              <a:t>id,quantity</a:t>
+            </a:r>
+            <a:r>
+              <a:rPr lang="en-US" dirty="0" smtClean="0"/>
+              <a:t>)</a:t>
+            </a:r>
+          </a:p>
+          <a:p>
+            <a:pPr marL="342900" indent="-342900">
+              <a:buAutoNum type="arabicPeriod"/>
+            </a:pPr>
+            <a:endParaRPr lang="en-US" dirty="0" smtClean="0"/>
+          </a:p>
+          <a:p>
+            <a:pPr marL="342900" indent="-342900">
+              <a:buAutoNum type="arabicPeriod"/>
+            </a:pPr>
+            <a:endParaRPr lang="en-US" dirty="0" smtClean="0"/>
+          </a:p>
+          <a:p>
+            <a:pPr algn="ctr"/>
+            <a:endParaRPr lang="en-US" dirty="0"/>
+          </a:p>
+        </p:txBody>
+      </p:sp>
     </p:spTree>
     <p:extLst>
       <p:ext uri="{BB962C8B-B14F-4D97-AF65-F5344CB8AC3E}">
-        <p14:creationId xmlns:p14="http://schemas.microsoft.com/office/powerpoint/2010/main" val="3183383570"/>
+        <p14:creationId xmlns:p14="http://schemas.microsoft.com/office/powerpoint/2010/main" val="391004940"/>
       </p:ext>
     </p:extLst>
   </p:cSld>
   <p:clrMapOvr>
     <a:masterClrMapping/>
   </p:clrMapOvr>
+</p:sld>
+</file>
+
+<file path=ppt/slides/slide5.xml><?xml version="1.0" encoding="utf-8"?>
+<p:sld xmlns:a="http://schemas.openxmlformats.org/drawingml/2006/main" xmlns:r="http://schemas.openxmlformats.org/officeDocument/2006/relationships" xmlns:p="http://schemas.openxmlformats.org/presentationml/2006/main">
+  <p:cSld>
+    <p:spTree>
+      <p:nvGrpSpPr>
+        <p:cNvPr id="1" name=""/>
+        <p:cNvGrpSpPr/>
+        <p:nvPr/>
+      </p:nvGrpSpPr>
+      <p:grpSpPr>
+        <a:xfrm>
+          <a:off x="0" y="0"/>
+          <a:ext cx="0" cy="0"/>
+          <a:chOff x="0" y="0"/>
+          <a:chExt cx="0" cy="0"/>
+        </a:xfrm>
+      </p:grpSpPr>
+      <p:pic>
+        <p:nvPicPr>
+          <p:cNvPr id="2" name="Picture 1"/>
+          <p:cNvPicPr>
+            <a:picLocks noChangeAspect="1"/>
+          </p:cNvPicPr>
+          <p:nvPr/>
+        </p:nvPicPr>
+        <p:blipFill>
+          <a:blip r:embed="rId2"/>
+          <a:stretch>
+            <a:fillRect/>
+          </a:stretch>
+        </p:blipFill>
+        <p:spPr>
+          <a:xfrm>
+            <a:off x="1105159" y="1094706"/>
+            <a:ext cx="10451264" cy="5330826"/>
+          </a:xfrm>
+          <a:prstGeom prst="rect">
+            <a:avLst/>
+          </a:prstGeom>
+        </p:spPr>
+      </p:pic>
+      <p:cxnSp>
+        <p:nvCxnSpPr>
+          <p:cNvPr id="4" name="Straight Connector 3"/>
+          <p:cNvCxnSpPr/>
+          <p:nvPr/>
+        </p:nvCxnSpPr>
+        <p:spPr>
+          <a:xfrm flipV="1">
+            <a:off x="2111749" y="3090930"/>
+            <a:ext cx="1326910" cy="19341"/>
+          </a:xfrm>
+          <a:prstGeom prst="line">
+            <a:avLst/>
+          </a:prstGeom>
+          <a:ln w="19050">
+            <a:solidFill>
+              <a:schemeClr val="tx1"/>
+            </a:solidFill>
+          </a:ln>
+        </p:spPr>
+        <p:style>
+          <a:lnRef idx="1">
+            <a:schemeClr val="accent1"/>
+          </a:lnRef>
+          <a:fillRef idx="0">
+            <a:schemeClr val="accent1"/>
+          </a:fillRef>
+          <a:effectRef idx="0">
+            <a:schemeClr val="accent1"/>
+          </a:effectRef>
+          <a:fontRef idx="minor">
+            <a:schemeClr val="tx1"/>
+          </a:fontRef>
+        </p:style>
+      </p:cxnSp>
+    </p:spTree>
+    <p:extLst>
+      <p:ext uri="{BB962C8B-B14F-4D97-AF65-F5344CB8AC3E}">
+        <p14:creationId xmlns:p14="http://schemas.microsoft.com/office/powerpoint/2010/main" val="1910789160"/>
+      </p:ext>
+    </p:extLst>
+  </p:cSld>
+  <p:clrMapOvr>
+    <a:masterClrMapping/>
+  </p:clrMapOvr>
+  <p:timing>
+    <p:tnLst>
+      <p:par>
+        <p:cTn id="1" dur="indefinite" restart="never" nodeType="tmRoot"/>
+      </p:par>
+    </p:tnLst>
+  </p:timing>
+</p:sld>
+</file>
+
+<file path=ppt/slides/slide6.xml><?xml version="1.0" encoding="utf-8"?>
+<p:sld xmlns:a="http://schemas.openxmlformats.org/drawingml/2006/main" xmlns:r="http://schemas.openxmlformats.org/officeDocument/2006/relationships" xmlns:p="http://schemas.openxmlformats.org/presentationml/2006/main">
+  <p:cSld>
+    <p:spTree>
+      <p:nvGrpSpPr>
+        <p:cNvPr id="1" name=""/>
+        <p:cNvGrpSpPr/>
+        <p:nvPr/>
+      </p:nvGrpSpPr>
+      <p:grpSpPr>
+        <a:xfrm>
+          <a:off x="0" y="0"/>
+          <a:ext cx="0" cy="0"/>
+          <a:chOff x="0" y="0"/>
+          <a:chExt cx="0" cy="0"/>
+        </a:xfrm>
+      </p:grpSpPr>
+      <p:pic>
+        <p:nvPicPr>
+          <p:cNvPr id="4" name="Picture 3"/>
+          <p:cNvPicPr>
+            <a:picLocks noChangeAspect="1"/>
+          </p:cNvPicPr>
+          <p:nvPr/>
+        </p:nvPicPr>
+        <p:blipFill>
+          <a:blip r:embed="rId2"/>
+          <a:stretch>
+            <a:fillRect/>
+          </a:stretch>
+        </p:blipFill>
+        <p:spPr>
+          <a:xfrm>
+            <a:off x="2215636" y="2614410"/>
+            <a:ext cx="7834122" cy="1184857"/>
+          </a:xfrm>
+          <a:prstGeom prst="rect">
+            <a:avLst/>
+          </a:prstGeom>
+        </p:spPr>
+      </p:pic>
+    </p:spTree>
+    <p:extLst>
+      <p:ext uri="{BB962C8B-B14F-4D97-AF65-F5344CB8AC3E}">
+        <p14:creationId xmlns:p14="http://schemas.microsoft.com/office/powerpoint/2010/main" val="4183466775"/>
+      </p:ext>
+    </p:extLst>
+  </p:cSld>
+  <p:clrMapOvr>
+    <a:masterClrMapping/>
+  </p:clrMapOvr>
+  <p:timing>
+    <p:tnLst>
+      <p:par>
+        <p:cTn id="1" dur="indefinite" restart="never" nodeType="tmRoot"/>
+      </p:par>
+    </p:tnLst>
+  </p:timing>
+</p:sld>
+</file>
+
+<file path=ppt/slides/slide7.xml><?xml version="1.0" encoding="utf-8"?>
+<p:sld xmlns:a="http://schemas.openxmlformats.org/drawingml/2006/main" xmlns:r="http://schemas.openxmlformats.org/officeDocument/2006/relationships" xmlns:p="http://schemas.openxmlformats.org/presentationml/2006/main">
+  <p:cSld>
+    <p:spTree>
+      <p:nvGrpSpPr>
+        <p:cNvPr id="1" name=""/>
+        <p:cNvGrpSpPr/>
+        <p:nvPr/>
+      </p:nvGrpSpPr>
+      <p:grpSpPr>
+        <a:xfrm>
+          <a:off x="0" y="0"/>
+          <a:ext cx="0" cy="0"/>
+          <a:chOff x="0" y="0"/>
+          <a:chExt cx="0" cy="0"/>
+        </a:xfrm>
+      </p:grpSpPr>
+      <p:pic>
+        <p:nvPicPr>
+          <p:cNvPr id="8" name="Picture 7"/>
+          <p:cNvPicPr>
+            <a:picLocks noChangeAspect="1"/>
+          </p:cNvPicPr>
+          <p:nvPr/>
+        </p:nvPicPr>
+        <p:blipFill>
+          <a:blip r:embed="rId2"/>
+          <a:stretch>
+            <a:fillRect/>
+          </a:stretch>
+        </p:blipFill>
+        <p:spPr>
+          <a:xfrm>
+            <a:off x="978798" y="506234"/>
+            <a:ext cx="9800821" cy="6055549"/>
+          </a:xfrm>
+          <a:prstGeom prst="rect">
+            <a:avLst/>
+          </a:prstGeom>
+        </p:spPr>
+      </p:pic>
+      <p:cxnSp>
+        <p:nvCxnSpPr>
+          <p:cNvPr id="5" name="Straight Connector 4"/>
+          <p:cNvCxnSpPr/>
+          <p:nvPr/>
+        </p:nvCxnSpPr>
+        <p:spPr>
+          <a:xfrm flipV="1">
+            <a:off x="2098870" y="2511380"/>
+            <a:ext cx="1314031" cy="6458"/>
+          </a:xfrm>
+          <a:prstGeom prst="line">
+            <a:avLst/>
+          </a:prstGeom>
+          <a:ln w="19050">
+            <a:solidFill>
+              <a:schemeClr val="tx1"/>
+            </a:solidFill>
+          </a:ln>
+        </p:spPr>
+        <p:style>
+          <a:lnRef idx="1">
+            <a:schemeClr val="accent1"/>
+          </a:lnRef>
+          <a:fillRef idx="0">
+            <a:schemeClr val="accent1"/>
+          </a:fillRef>
+          <a:effectRef idx="0">
+            <a:schemeClr val="accent1"/>
+          </a:effectRef>
+          <a:fontRef idx="minor">
+            <a:schemeClr val="tx1"/>
+          </a:fontRef>
+        </p:style>
+      </p:cxnSp>
+    </p:spTree>
+    <p:extLst>
+      <p:ext uri="{BB962C8B-B14F-4D97-AF65-F5344CB8AC3E}">
+        <p14:creationId xmlns:p14="http://schemas.microsoft.com/office/powerpoint/2010/main" val="2630211160"/>
+      </p:ext>
+    </p:extLst>
+  </p:cSld>
+  <p:clrMapOvr>
+    <a:masterClrMapping/>
+  </p:clrMapOvr>
+  <p:timing>
+    <p:tnLst>
+      <p:par>
+        <p:cTn id="1" dur="indefinite" restart="never" nodeType="tmRoot"/>
+      </p:par>
+    </p:tnLst>
+  </p:timing>
+</p:sld>
+</file>
+
+<file path=ppt/slides/slide8.xml><?xml version="1.0" encoding="utf-8"?>
+<p:sld xmlns:a="http://schemas.openxmlformats.org/drawingml/2006/main" xmlns:r="http://schemas.openxmlformats.org/officeDocument/2006/relationships" xmlns:p="http://schemas.openxmlformats.org/presentationml/2006/main">
+  <p:cSld>
+    <p:spTree>
+      <p:nvGrpSpPr>
+        <p:cNvPr id="1" name=""/>
+        <p:cNvGrpSpPr/>
+        <p:nvPr/>
+      </p:nvGrpSpPr>
+      <p:grpSpPr>
+        <a:xfrm>
+          <a:off x="0" y="0"/>
+          <a:ext cx="0" cy="0"/>
+          <a:chOff x="0" y="0"/>
+          <a:chExt cx="0" cy="0"/>
+        </a:xfrm>
+      </p:grpSpPr>
+      <p:pic>
+        <p:nvPicPr>
+          <p:cNvPr id="4" name="Content Placeholder 3"/>
+          <p:cNvPicPr>
+            <a:picLocks noGrp="1" noChangeAspect="1"/>
+          </p:cNvPicPr>
+          <p:nvPr>
+            <p:ph idx="1"/>
+          </p:nvPr>
+        </p:nvPicPr>
+        <p:blipFill>
+          <a:blip r:embed="rId2"/>
+          <a:stretch>
+            <a:fillRect/>
+          </a:stretch>
+        </p:blipFill>
+        <p:spPr>
+          <a:xfrm>
+            <a:off x="123299" y="377042"/>
+            <a:ext cx="12068701" cy="5997999"/>
+          </a:xfrm>
+          <a:prstGeom prst="rect">
+            <a:avLst/>
+          </a:prstGeom>
+        </p:spPr>
+      </p:pic>
+    </p:spTree>
+    <p:extLst>
+      <p:ext uri="{BB962C8B-B14F-4D97-AF65-F5344CB8AC3E}">
+        <p14:creationId xmlns:p14="http://schemas.microsoft.com/office/powerpoint/2010/main" val="961691032"/>
+      </p:ext>
+    </p:extLst>
+  </p:cSld>
+  <p:clrMapOvr>
+    <a:masterClrMapping/>
+  </p:clrMapOvr>
+  <p:timing>
+    <p:tnLst>
+      <p:par>
+        <p:cTn id="1" dur="indefinite" restart="never" nodeType="tmRoot"/>
+      </p:par>
+    </p:tnLst>
+  </p:timing>
+</p:sld>
+</file>
+
+<file path=ppt/slides/slide9.xml><?xml version="1.0" encoding="utf-8"?>
+<p:sld xmlns:a="http://schemas.openxmlformats.org/drawingml/2006/main" xmlns:r="http://schemas.openxmlformats.org/officeDocument/2006/relationships" xmlns:p="http://schemas.openxmlformats.org/presentationml/2006/main">
+  <p:cSld>
+    <p:spTree>
+      <p:nvGrpSpPr>
+        <p:cNvPr id="1" name=""/>
+        <p:cNvGrpSpPr/>
+        <p:nvPr/>
+      </p:nvGrpSpPr>
+      <p:grpSpPr>
+        <a:xfrm>
+          <a:off x="0" y="0"/>
+          <a:ext cx="0" cy="0"/>
+          <a:chOff x="0" y="0"/>
+          <a:chExt cx="0" cy="0"/>
+        </a:xfrm>
+      </p:grpSpPr>
+      <p:pic>
+        <p:nvPicPr>
+          <p:cNvPr id="4" name="Content Placeholder 3"/>
+          <p:cNvPicPr>
+            <a:picLocks noGrp="1" noChangeAspect="1"/>
+          </p:cNvPicPr>
+          <p:nvPr>
+            <p:ph idx="1"/>
+          </p:nvPr>
+        </p:nvPicPr>
+        <p:blipFill>
+          <a:blip r:embed="rId2"/>
+          <a:stretch>
+            <a:fillRect/>
+          </a:stretch>
+        </p:blipFill>
+        <p:spPr>
+          <a:xfrm>
+            <a:off x="712628" y="360608"/>
+            <a:ext cx="10923217" cy="6235207"/>
+          </a:xfrm>
+          <a:prstGeom prst="rect">
+            <a:avLst/>
+          </a:prstGeom>
+        </p:spPr>
+      </p:pic>
+    </p:spTree>
+    <p:extLst>
+      <p:ext uri="{BB962C8B-B14F-4D97-AF65-F5344CB8AC3E}">
+        <p14:creationId xmlns:p14="http://schemas.microsoft.com/office/powerpoint/2010/main" val="577141146"/>
+      </p:ext>
+    </p:extLst>
+  </p:cSld>
+  <p:clrMapOvr>
+    <a:masterClrMapping/>
+  </p:clrMapOvr>
+  <p:timing>
+    <p:tnLst>
+      <p:par>
+        <p:cTn id="1" dur="indefinite" restart="never" nodeType="tmRoot"/>
+      </p:par>
+    </p:tnLst>
+  </p:timing>
 </p:sld>
 </file>
 
